--- a/01_python/cours/Memo Python V1.pptx
+++ b/01_python/cours/Memo Python V1.pptx
@@ -5,22 +5,23 @@
     <p:sldMasterId id="2147483779" r:id="rId1"/>
   </p:sldMasterIdLst>
   <p:notesMasterIdLst>
-    <p:notesMasterId r:id="rId4"/>
+    <p:notesMasterId r:id="rId5"/>
   </p:notesMasterIdLst>
   <p:handoutMasterIdLst>
-    <p:handoutMasterId r:id="rId5"/>
+    <p:handoutMasterId r:id="rId6"/>
   </p:handoutMasterIdLst>
   <p:sldIdLst>
     <p:sldId id="256" r:id="rId2"/>
     <p:sldId id="257" r:id="rId3"/>
+    <p:sldId id="258" r:id="rId4"/>
   </p:sldIdLst>
   <p:sldSz cx="6858000" cy="9906000" type="A4"/>
   <p:notesSz cx="10021888" cy="6889750"/>
   <p:embeddedFontLst>
     <p:embeddedFont>
       <p:font typeface="Tahoma" panose="020B0604030504040204" pitchFamily="34" charset="0"/>
-      <p:regular r:id="rId6"/>
-      <p:bold r:id="rId7"/>
+      <p:regular r:id="rId7"/>
+      <p:bold r:id="rId8"/>
     </p:embeddedFont>
   </p:embeddedFontLst>
   <p:defaultTextStyle>
@@ -1607,14 +1608,14 @@
           <a:effectLst/>
           <a:extLst>
             <a:ext uri="{909E8E84-426E-40dd-AFC4-6F175D3DCCD1}">
-              <a14:hiddenFill xmlns="" xmlns:a14="http://schemas.microsoft.com/office/drawing/2010/main">
+              <a14:hiddenFill xmlns:a14="http://schemas.microsoft.com/office/drawing/2010/main" xmlns="">
                 <a:solidFill>
                   <a:schemeClr val="accent1"/>
                 </a:solidFill>
               </a14:hiddenFill>
             </a:ext>
             <a:ext uri="{91240B29-F687-4f45-9708-019B960494DF}">
-              <a14:hiddenLine xmlns="" xmlns:a14="http://schemas.microsoft.com/office/drawing/2010/main" w="9525">
+              <a14:hiddenLine xmlns:a14="http://schemas.microsoft.com/office/drawing/2010/main" xmlns="" w="9525">
                 <a:solidFill>
                   <a:schemeClr val="tx1"/>
                 </a:solidFill>
@@ -1624,7 +1625,7 @@
               </a14:hiddenLine>
             </a:ext>
             <a:ext uri="{AF507438-7753-43e0-B8FC-AC1667EBCBE1}">
-              <a14:hiddenEffects xmlns="" xmlns:a14="http://schemas.microsoft.com/office/drawing/2010/main">
+              <a14:hiddenEffects xmlns:a14="http://schemas.microsoft.com/office/drawing/2010/main" xmlns="">
                 <a:effectLst>
                   <a:outerShdw blurRad="63500" dist="38099" dir="2700000" algn="ctr" rotWithShape="0">
                     <a:schemeClr val="bg2">
@@ -1635,7 +1636,7 @@
               </a14:hiddenEffects>
             </a:ext>
             <a:ext uri="{FAA26D3D-D897-4be2-8F04-BA451C77F1D7}">
-              <ma14:placeholderFlag xmlns="" xmlns:ma14="http://schemas.microsoft.com/office/mac/drawingml/2011/main" val="1"/>
+              <ma14:placeholderFlag xmlns:ma14="http://schemas.microsoft.com/office/mac/drawingml/2011/main" xmlns="" val="1"/>
             </a:ext>
           </a:extLst>
         </p:spPr>
@@ -1680,14 +1681,14 @@
           <a:effectLst/>
           <a:extLst>
             <a:ext uri="{909E8E84-426E-40dd-AFC4-6F175D3DCCD1}">
-              <a14:hiddenFill xmlns="" xmlns:a14="http://schemas.microsoft.com/office/drawing/2010/main">
+              <a14:hiddenFill xmlns:a14="http://schemas.microsoft.com/office/drawing/2010/main" xmlns="">
                 <a:solidFill>
                   <a:schemeClr val="accent1"/>
                 </a:solidFill>
               </a14:hiddenFill>
             </a:ext>
             <a:ext uri="{91240B29-F687-4f45-9708-019B960494DF}">
-              <a14:hiddenLine xmlns="" xmlns:a14="http://schemas.microsoft.com/office/drawing/2010/main" w="9525">
+              <a14:hiddenLine xmlns:a14="http://schemas.microsoft.com/office/drawing/2010/main" xmlns="" w="9525">
                 <a:solidFill>
                   <a:schemeClr val="tx1"/>
                 </a:solidFill>
@@ -1697,7 +1698,7 @@
               </a14:hiddenLine>
             </a:ext>
             <a:ext uri="{AF507438-7753-43e0-B8FC-AC1667EBCBE1}">
-              <a14:hiddenEffects xmlns="" xmlns:a14="http://schemas.microsoft.com/office/drawing/2010/main">
+              <a14:hiddenEffects xmlns:a14="http://schemas.microsoft.com/office/drawing/2010/main" xmlns="">
                 <a:effectLst>
                   <a:outerShdw blurRad="63500" dist="38099" dir="2700000" algn="ctr" rotWithShape="0">
                     <a:schemeClr val="bg2">
@@ -1708,7 +1709,7 @@
               </a14:hiddenEffects>
             </a:ext>
             <a:ext uri="{FAA26D3D-D897-4be2-8F04-BA451C77F1D7}">
-              <ma14:placeholderFlag xmlns="" xmlns:ma14="http://schemas.microsoft.com/office/mac/drawingml/2011/main" val="1"/>
+              <ma14:placeholderFlag xmlns:ma14="http://schemas.microsoft.com/office/mac/drawingml/2011/main" xmlns="" val="1"/>
             </a:ext>
           </a:extLst>
         </p:spPr>
@@ -1753,14 +1754,14 @@
           <a:effectLst/>
           <a:extLst>
             <a:ext uri="{909E8E84-426E-40dd-AFC4-6F175D3DCCD1}">
-              <a14:hiddenFill xmlns="" xmlns:a14="http://schemas.microsoft.com/office/drawing/2010/main">
+              <a14:hiddenFill xmlns:a14="http://schemas.microsoft.com/office/drawing/2010/main" xmlns="">
                 <a:solidFill>
                   <a:schemeClr val="accent1"/>
                 </a:solidFill>
               </a14:hiddenFill>
             </a:ext>
             <a:ext uri="{91240B29-F687-4f45-9708-019B960494DF}">
-              <a14:hiddenLine xmlns="" xmlns:a14="http://schemas.microsoft.com/office/drawing/2010/main" w="9525">
+              <a14:hiddenLine xmlns:a14="http://schemas.microsoft.com/office/drawing/2010/main" xmlns="" w="9525">
                 <a:solidFill>
                   <a:schemeClr val="tx1"/>
                 </a:solidFill>
@@ -1770,7 +1771,7 @@
               </a14:hiddenLine>
             </a:ext>
             <a:ext uri="{AF507438-7753-43e0-B8FC-AC1667EBCBE1}">
-              <a14:hiddenEffects xmlns="" xmlns:a14="http://schemas.microsoft.com/office/drawing/2010/main">
+              <a14:hiddenEffects xmlns:a14="http://schemas.microsoft.com/office/drawing/2010/main" xmlns="">
                 <a:effectLst>
                   <a:outerShdw blurRad="63500" dist="38099" dir="2700000" algn="ctr" rotWithShape="0">
                     <a:schemeClr val="bg2">
@@ -1781,7 +1782,7 @@
               </a14:hiddenEffects>
             </a:ext>
             <a:ext uri="{FAA26D3D-D897-4be2-8F04-BA451C77F1D7}">
-              <ma14:placeholderFlag xmlns="" xmlns:ma14="http://schemas.microsoft.com/office/mac/drawingml/2011/main" val="1"/>
+              <ma14:placeholderFlag xmlns:ma14="http://schemas.microsoft.com/office/mac/drawingml/2011/main" xmlns="" val="1"/>
             </a:ext>
           </a:extLst>
         </p:spPr>
@@ -1826,14 +1827,14 @@
           <a:effectLst/>
           <a:extLst>
             <a:ext uri="{909E8E84-426E-40dd-AFC4-6F175D3DCCD1}">
-              <a14:hiddenFill xmlns="" xmlns:a14="http://schemas.microsoft.com/office/drawing/2010/main">
+              <a14:hiddenFill xmlns:a14="http://schemas.microsoft.com/office/drawing/2010/main" xmlns="">
                 <a:solidFill>
                   <a:schemeClr val="accent1"/>
                 </a:solidFill>
               </a14:hiddenFill>
             </a:ext>
             <a:ext uri="{91240B29-F687-4f45-9708-019B960494DF}">
-              <a14:hiddenLine xmlns="" xmlns:a14="http://schemas.microsoft.com/office/drawing/2010/main" w="9525">
+              <a14:hiddenLine xmlns:a14="http://schemas.microsoft.com/office/drawing/2010/main" xmlns="" w="9525">
                 <a:solidFill>
                   <a:schemeClr val="tx1"/>
                 </a:solidFill>
@@ -1843,7 +1844,7 @@
               </a14:hiddenLine>
             </a:ext>
             <a:ext uri="{AF507438-7753-43e0-B8FC-AC1667EBCBE1}">
-              <a14:hiddenEffects xmlns="" xmlns:a14="http://schemas.microsoft.com/office/drawing/2010/main">
+              <a14:hiddenEffects xmlns:a14="http://schemas.microsoft.com/office/drawing/2010/main" xmlns="">
                 <a:effectLst>
                   <a:outerShdw blurRad="63500" dist="38099" dir="2700000" algn="ctr" rotWithShape="0">
                     <a:schemeClr val="bg2">
@@ -1854,7 +1855,7 @@
               </a14:hiddenEffects>
             </a:ext>
             <a:ext uri="{FAA26D3D-D897-4be2-8F04-BA451C77F1D7}">
-              <ma14:placeholderFlag xmlns="" xmlns:ma14="http://schemas.microsoft.com/office/mac/drawingml/2011/main" val="1"/>
+              <ma14:placeholderFlag xmlns:ma14="http://schemas.microsoft.com/office/mac/drawingml/2011/main" xmlns="" val="1"/>
             </a:ext>
           </a:extLst>
         </p:spPr>
@@ -1940,14 +1941,14 @@
           <a:effectLst/>
           <a:extLst>
             <a:ext uri="{909E8E84-426E-40dd-AFC4-6F175D3DCCD1}">
-              <a14:hiddenFill xmlns="" xmlns:a14="http://schemas.microsoft.com/office/drawing/2010/main">
+              <a14:hiddenFill xmlns:a14="http://schemas.microsoft.com/office/drawing/2010/main" xmlns="">
                 <a:solidFill>
                   <a:schemeClr val="accent1"/>
                 </a:solidFill>
               </a14:hiddenFill>
             </a:ext>
             <a:ext uri="{91240B29-F687-4f45-9708-019B960494DF}">
-              <a14:hiddenLine xmlns="" xmlns:a14="http://schemas.microsoft.com/office/drawing/2010/main" w="9525">
+              <a14:hiddenLine xmlns:a14="http://schemas.microsoft.com/office/drawing/2010/main" xmlns="" w="9525">
                 <a:solidFill>
                   <a:schemeClr val="tx1"/>
                 </a:solidFill>
@@ -1957,7 +1958,7 @@
               </a14:hiddenLine>
             </a:ext>
             <a:ext uri="{AF507438-7753-43e0-B8FC-AC1667EBCBE1}">
-              <a14:hiddenEffects xmlns="" xmlns:a14="http://schemas.microsoft.com/office/drawing/2010/main">
+              <a14:hiddenEffects xmlns:a14="http://schemas.microsoft.com/office/drawing/2010/main" xmlns="">
                 <a:effectLst>
                   <a:outerShdw blurRad="63500" dist="38099" dir="2700000" algn="ctr" rotWithShape="0">
                     <a:schemeClr val="bg2">
@@ -1968,7 +1969,7 @@
               </a14:hiddenEffects>
             </a:ext>
             <a:ext uri="{FAA26D3D-D897-4be2-8F04-BA451C77F1D7}">
-              <ma14:placeholderFlag xmlns="" xmlns:ma14="http://schemas.microsoft.com/office/mac/drawingml/2011/main" val="1"/>
+              <ma14:placeholderFlag xmlns:ma14="http://schemas.microsoft.com/office/mac/drawingml/2011/main" xmlns="" val="1"/>
             </a:ext>
           </a:extLst>
         </p:spPr>
@@ -2013,14 +2014,14 @@
           <a:effectLst/>
           <a:extLst>
             <a:ext uri="{909E8E84-426E-40dd-AFC4-6F175D3DCCD1}">
-              <a14:hiddenFill xmlns="" xmlns:a14="http://schemas.microsoft.com/office/drawing/2010/main">
+              <a14:hiddenFill xmlns:a14="http://schemas.microsoft.com/office/drawing/2010/main" xmlns="">
                 <a:solidFill>
                   <a:schemeClr val="accent1"/>
                 </a:solidFill>
               </a14:hiddenFill>
             </a:ext>
             <a:ext uri="{91240B29-F687-4f45-9708-019B960494DF}">
-              <a14:hiddenLine xmlns="" xmlns:a14="http://schemas.microsoft.com/office/drawing/2010/main" w="9525">
+              <a14:hiddenLine xmlns:a14="http://schemas.microsoft.com/office/drawing/2010/main" xmlns="" w="9525">
                 <a:solidFill>
                   <a:schemeClr val="tx1"/>
                 </a:solidFill>
@@ -2030,7 +2031,7 @@
               </a14:hiddenLine>
             </a:ext>
             <a:ext uri="{AF507438-7753-43e0-B8FC-AC1667EBCBE1}">
-              <a14:hiddenEffects xmlns="" xmlns:a14="http://schemas.microsoft.com/office/drawing/2010/main">
+              <a14:hiddenEffects xmlns:a14="http://schemas.microsoft.com/office/drawing/2010/main" xmlns="">
                 <a:effectLst>
                   <a:outerShdw blurRad="63500" dist="38099" dir="2700000" algn="ctr" rotWithShape="0">
                     <a:schemeClr val="bg2">
@@ -2041,7 +2042,7 @@
               </a14:hiddenEffects>
             </a:ext>
             <a:ext uri="{FAA26D3D-D897-4be2-8F04-BA451C77F1D7}">
-              <ma14:placeholderFlag xmlns="" xmlns:ma14="http://schemas.microsoft.com/office/mac/drawingml/2011/main" val="1"/>
+              <ma14:placeholderFlag xmlns:ma14="http://schemas.microsoft.com/office/mac/drawingml/2011/main" xmlns="" val="1"/>
             </a:ext>
           </a:extLst>
         </p:spPr>
@@ -2091,7 +2092,7 @@
           <a:effectLst/>
           <a:extLst>
             <a:ext uri="{AF507438-7753-43e0-B8FC-AC1667EBCBE1}">
-              <a14:hiddenEffects xmlns="" xmlns:a14="http://schemas.microsoft.com/office/drawing/2010/main">
+              <a14:hiddenEffects xmlns:a14="http://schemas.microsoft.com/office/drawing/2010/main" xmlns="">
                 <a:effectLst>
                   <a:outerShdw blurRad="63500" dist="38099" dir="2700000" algn="ctr" rotWithShape="0">
                     <a:srgbClr val="000000">
@@ -2102,7 +2103,7 @@
               </a14:hiddenEffects>
             </a:ext>
             <a:ext uri="{53640926-AAD7-44d8-BBD7-CCE9431645EC}">
-              <a14:shadowObscured xmlns="" xmlns:a14="http://schemas.microsoft.com/office/drawing/2010/main" val="1"/>
+              <a14:shadowObscured xmlns:a14="http://schemas.microsoft.com/office/drawing/2010/main" xmlns="" val="1"/>
             </a:ext>
           </a:extLst>
         </p:spPr>
@@ -2132,14 +2133,14 @@
           <a:effectLst/>
           <a:extLst>
             <a:ext uri="{909E8E84-426E-40dd-AFC4-6F175D3DCCD1}">
-              <a14:hiddenFill xmlns="" xmlns:a14="http://schemas.microsoft.com/office/drawing/2010/main">
+              <a14:hiddenFill xmlns:a14="http://schemas.microsoft.com/office/drawing/2010/main" xmlns="">
                 <a:solidFill>
                   <a:schemeClr val="accent1"/>
                 </a:solidFill>
               </a14:hiddenFill>
             </a:ext>
             <a:ext uri="{91240B29-F687-4f45-9708-019B960494DF}">
-              <a14:hiddenLine xmlns="" xmlns:a14="http://schemas.microsoft.com/office/drawing/2010/main" w="9525">
+              <a14:hiddenLine xmlns:a14="http://schemas.microsoft.com/office/drawing/2010/main" xmlns="" w="9525">
                 <a:solidFill>
                   <a:schemeClr val="tx1"/>
                 </a:solidFill>
@@ -2149,7 +2150,7 @@
               </a14:hiddenLine>
             </a:ext>
             <a:ext uri="{AF507438-7753-43e0-B8FC-AC1667EBCBE1}">
-              <a14:hiddenEffects xmlns="" xmlns:a14="http://schemas.microsoft.com/office/drawing/2010/main">
+              <a14:hiddenEffects xmlns:a14="http://schemas.microsoft.com/office/drawing/2010/main" xmlns="">
                 <a:effectLst>
                   <a:outerShdw blurRad="63500" dist="38099" dir="2700000" algn="ctr" rotWithShape="0">
                     <a:schemeClr val="bg2">
@@ -2160,7 +2161,7 @@
               </a14:hiddenEffects>
             </a:ext>
             <a:ext uri="{FAA26D3D-D897-4be2-8F04-BA451C77F1D7}">
-              <ma14:placeholderFlag xmlns="" xmlns:ma14="http://schemas.microsoft.com/office/mac/drawingml/2011/main" val="1"/>
+              <ma14:placeholderFlag xmlns:ma14="http://schemas.microsoft.com/office/mac/drawingml/2011/main" xmlns="" val="1"/>
             </a:ext>
           </a:extLst>
         </p:spPr>
@@ -2233,14 +2234,14 @@
           <a:effectLst/>
           <a:extLst>
             <a:ext uri="{909E8E84-426E-40dd-AFC4-6F175D3DCCD1}">
-              <a14:hiddenFill xmlns="" xmlns:a14="http://schemas.microsoft.com/office/drawing/2010/main">
+              <a14:hiddenFill xmlns:a14="http://schemas.microsoft.com/office/drawing/2010/main" xmlns="">
                 <a:solidFill>
                   <a:schemeClr val="accent1"/>
                 </a:solidFill>
               </a14:hiddenFill>
             </a:ext>
             <a:ext uri="{91240B29-F687-4f45-9708-019B960494DF}">
-              <a14:hiddenLine xmlns="" xmlns:a14="http://schemas.microsoft.com/office/drawing/2010/main" w="9525">
+              <a14:hiddenLine xmlns:a14="http://schemas.microsoft.com/office/drawing/2010/main" xmlns="" w="9525">
                 <a:solidFill>
                   <a:schemeClr val="tx1"/>
                 </a:solidFill>
@@ -2250,7 +2251,7 @@
               </a14:hiddenLine>
             </a:ext>
             <a:ext uri="{AF507438-7753-43e0-B8FC-AC1667EBCBE1}">
-              <a14:hiddenEffects xmlns="" xmlns:a14="http://schemas.microsoft.com/office/drawing/2010/main">
+              <a14:hiddenEffects xmlns:a14="http://schemas.microsoft.com/office/drawing/2010/main" xmlns="">
                 <a:effectLst>
                   <a:outerShdw blurRad="63500" dist="38099" dir="2700000" algn="ctr" rotWithShape="0">
                     <a:schemeClr val="bg2">
@@ -2261,7 +2262,7 @@
               </a14:hiddenEffects>
             </a:ext>
             <a:ext uri="{FAA26D3D-D897-4be2-8F04-BA451C77F1D7}">
-              <ma14:placeholderFlag xmlns="" xmlns:ma14="http://schemas.microsoft.com/office/mac/drawingml/2011/main" val="1"/>
+              <ma14:placeholderFlag xmlns:ma14="http://schemas.microsoft.com/office/mac/drawingml/2011/main" xmlns="" val="1"/>
             </a:ext>
           </a:extLst>
         </p:spPr>
@@ -2306,14 +2307,14 @@
           <a:effectLst/>
           <a:extLst>
             <a:ext uri="{909E8E84-426E-40dd-AFC4-6F175D3DCCD1}">
-              <a14:hiddenFill xmlns="" xmlns:a14="http://schemas.microsoft.com/office/drawing/2010/main">
+              <a14:hiddenFill xmlns:a14="http://schemas.microsoft.com/office/drawing/2010/main" xmlns="">
                 <a:solidFill>
                   <a:schemeClr val="accent1"/>
                 </a:solidFill>
               </a14:hiddenFill>
             </a:ext>
             <a:ext uri="{91240B29-F687-4f45-9708-019B960494DF}">
-              <a14:hiddenLine xmlns="" xmlns:a14="http://schemas.microsoft.com/office/drawing/2010/main" w="9525">
+              <a14:hiddenLine xmlns:a14="http://schemas.microsoft.com/office/drawing/2010/main" xmlns="" w="9525">
                 <a:solidFill>
                   <a:schemeClr val="tx1"/>
                 </a:solidFill>
@@ -2323,7 +2324,7 @@
               </a14:hiddenLine>
             </a:ext>
             <a:ext uri="{AF507438-7753-43e0-B8FC-AC1667EBCBE1}">
-              <a14:hiddenEffects xmlns="" xmlns:a14="http://schemas.microsoft.com/office/drawing/2010/main">
+              <a14:hiddenEffects xmlns:a14="http://schemas.microsoft.com/office/drawing/2010/main" xmlns="">
                 <a:effectLst>
                   <a:outerShdw blurRad="63500" dist="38099" dir="2700000" algn="ctr" rotWithShape="0">
                     <a:schemeClr val="bg2">
@@ -2334,7 +2335,7 @@
               </a14:hiddenEffects>
             </a:ext>
             <a:ext uri="{FAA26D3D-D897-4be2-8F04-BA451C77F1D7}">
-              <ma14:placeholderFlag xmlns="" xmlns:ma14="http://schemas.microsoft.com/office/mac/drawingml/2011/main" val="1"/>
+              <ma14:placeholderFlag xmlns:ma14="http://schemas.microsoft.com/office/mac/drawingml/2011/main" xmlns="" val="1"/>
             </a:ext>
           </a:extLst>
         </p:spPr>
@@ -2623,7 +2624,7 @@
           <a:p>
             <a:fld id="{C764DE79-268F-4C1A-8933-263129D2AF90}" type="datetimeFigureOut">
               <a:rPr lang="en-US" smtClean="0"/>
-              <a:t>8/23/2024</a:t>
+              <a:t>8/26/2024</a:t>
             </a:fld>
             <a:endParaRPr lang="en-US" dirty="0"/>
           </a:p>
@@ -2793,7 +2794,7 @@
           <a:p>
             <a:fld id="{C764DE79-268F-4C1A-8933-263129D2AF90}" type="datetimeFigureOut">
               <a:rPr lang="en-US" smtClean="0"/>
-              <a:t>8/23/2024</a:t>
+              <a:t>8/26/2024</a:t>
             </a:fld>
             <a:endParaRPr lang="en-US" dirty="0"/>
           </a:p>
@@ -2973,7 +2974,7 @@
           <a:p>
             <a:fld id="{C764DE79-268F-4C1A-8933-263129D2AF90}" type="datetimeFigureOut">
               <a:rPr lang="en-US" smtClean="0"/>
-              <a:t>8/23/2024</a:t>
+              <a:t>8/26/2024</a:t>
             </a:fld>
             <a:endParaRPr lang="en-US" dirty="0"/>
           </a:p>
@@ -3143,7 +3144,7 @@
           <a:p>
             <a:fld id="{C764DE79-268F-4C1A-8933-263129D2AF90}" type="datetimeFigureOut">
               <a:rPr lang="en-US" smtClean="0"/>
-              <a:t>8/23/2024</a:t>
+              <a:t>8/26/2024</a:t>
             </a:fld>
             <a:endParaRPr lang="en-US" dirty="0"/>
           </a:p>
@@ -3387,7 +3388,7 @@
           <a:p>
             <a:fld id="{C764DE79-268F-4C1A-8933-263129D2AF90}" type="datetimeFigureOut">
               <a:rPr lang="en-US" smtClean="0"/>
-              <a:t>8/23/2024</a:t>
+              <a:t>8/26/2024</a:t>
             </a:fld>
             <a:endParaRPr lang="en-US" dirty="0"/>
           </a:p>
@@ -3620,7 +3621,7 @@
           <a:p>
             <a:fld id="{C764DE79-268F-4C1A-8933-263129D2AF90}" type="datetimeFigureOut">
               <a:rPr lang="en-US" smtClean="0"/>
-              <a:t>8/23/2024</a:t>
+              <a:t>8/26/2024</a:t>
             </a:fld>
             <a:endParaRPr lang="en-US" dirty="0"/>
           </a:p>
@@ -3987,7 +3988,7 @@
           <a:p>
             <a:fld id="{C764DE79-268F-4C1A-8933-263129D2AF90}" type="datetimeFigureOut">
               <a:rPr lang="en-US" smtClean="0"/>
-              <a:t>8/23/2024</a:t>
+              <a:t>8/26/2024</a:t>
             </a:fld>
             <a:endParaRPr lang="en-US" dirty="0"/>
           </a:p>
@@ -4105,7 +4106,7 @@
           <a:p>
             <a:fld id="{C764DE79-268F-4C1A-8933-263129D2AF90}" type="datetimeFigureOut">
               <a:rPr lang="en-US" smtClean="0"/>
-              <a:t>8/23/2024</a:t>
+              <a:t>8/26/2024</a:t>
             </a:fld>
             <a:endParaRPr lang="en-US" dirty="0"/>
           </a:p>
@@ -4634,7 +4635,7 @@
           <a:p>
             <a:fld id="{C764DE79-268F-4C1A-8933-263129D2AF90}" type="datetimeFigureOut">
               <a:rPr lang="en-US" smtClean="0"/>
-              <a:t>8/23/2024</a:t>
+              <a:t>8/26/2024</a:t>
             </a:fld>
             <a:endParaRPr lang="en-US" dirty="0"/>
           </a:p>
@@ -4891,7 +4892,7 @@
           <a:p>
             <a:fld id="{C764DE79-268F-4C1A-8933-263129D2AF90}" type="datetimeFigureOut">
               <a:rPr lang="en-US" smtClean="0"/>
-              <a:t>8/23/2024</a:t>
+              <a:t>8/26/2024</a:t>
             </a:fld>
             <a:endParaRPr lang="en-US" dirty="0"/>
           </a:p>
@@ -5166,7 +5167,7 @@
           <a:p>
             <a:fld id="{C764DE79-268F-4C1A-8933-263129D2AF90}" type="datetimeFigureOut">
               <a:rPr lang="en-US" smtClean="0"/>
-              <a:t>8/23/2024</a:t>
+              <a:t>8/26/2024</a:t>
             </a:fld>
             <a:endParaRPr lang="en-US" dirty="0"/>
           </a:p>
@@ -11446,6 +11447,60 @@
       </p:grpSpPr>
       <p:sp>
         <p:nvSpPr>
+          <p:cNvPr id="28" name="Rectangle 27">
+            <a:extLst>
+              <a:ext uri="{FF2B5EF4-FFF2-40B4-BE49-F238E27FC236}">
+                <a16:creationId xmlns:a16="http://schemas.microsoft.com/office/drawing/2014/main" id="{AC11663D-4D36-4B58-B226-D554C1892EFA}"/>
+              </a:ext>
+            </a:extLst>
+          </p:cNvPr>
+          <p:cNvSpPr/>
+          <p:nvPr/>
+        </p:nvSpPr>
+        <p:spPr>
+          <a:xfrm>
+            <a:off x="1242645" y="7837514"/>
+            <a:ext cx="5573667" cy="1902203"/>
+          </a:xfrm>
+          <a:prstGeom prst="rect">
+            <a:avLst/>
+          </a:prstGeom>
+          <a:solidFill>
+            <a:srgbClr val="FFFFFF">
+              <a:alpha val="25098"/>
+            </a:srgbClr>
+          </a:solidFill>
+          <a:ln>
+            <a:noFill/>
+          </a:ln>
+        </p:spPr>
+        <p:style>
+          <a:lnRef idx="2">
+            <a:schemeClr val="accent1">
+              <a:shade val="15000"/>
+            </a:schemeClr>
+          </a:lnRef>
+          <a:fillRef idx="1">
+            <a:schemeClr val="accent1"/>
+          </a:fillRef>
+          <a:effectRef idx="0">
+            <a:schemeClr val="accent1"/>
+          </a:effectRef>
+          <a:fontRef idx="minor">
+            <a:schemeClr val="lt1"/>
+          </a:fontRef>
+        </p:style>
+        <p:txBody>
+          <a:bodyPr rtlCol="0" anchor="ctr"/>
+          <a:lstStyle/>
+          <a:p>
+            <a:pPr algn="ctr"/>
+            <a:endParaRPr lang="fr-FR"/>
+          </a:p>
+        </p:txBody>
+      </p:sp>
+      <p:sp>
+        <p:nvSpPr>
           <p:cNvPr id="2" name="ZoneTexte 1">
             <a:extLst>
               <a:ext uri="{FF2B5EF4-FFF2-40B4-BE49-F238E27FC236}">
@@ -11552,8 +11607,8 @@
         </p:blipFill>
         <p:spPr>
           <a:xfrm>
-            <a:off x="1299604" y="5026523"/>
-            <a:ext cx="5450441" cy="2187832"/>
+            <a:off x="1052736" y="5344850"/>
+            <a:ext cx="5661236" cy="2272446"/>
           </a:xfrm>
           <a:prstGeom prst="rect">
             <a:avLst/>
@@ -11574,7 +11629,7 @@
         </p:nvSpPr>
         <p:spPr>
           <a:xfrm>
-            <a:off x="107955" y="5889104"/>
+            <a:off x="44624" y="6252594"/>
             <a:ext cx="1495922" cy="369332"/>
           </a:xfrm>
           <a:prstGeom prst="rect">
@@ -11617,7 +11672,7 @@
         </p:nvSpPr>
         <p:spPr>
           <a:xfrm>
-            <a:off x="107955" y="2321060"/>
+            <a:off x="44624" y="2458389"/>
             <a:ext cx="4705519" cy="369332"/>
           </a:xfrm>
           <a:prstGeom prst="rect">
@@ -11654,7 +11709,7 @@
         </p:nvSpPr>
         <p:spPr>
           <a:xfrm>
-            <a:off x="4655367" y="2608545"/>
+            <a:off x="4670616" y="2764559"/>
             <a:ext cx="2202633" cy="2078518"/>
           </a:xfrm>
           <a:prstGeom prst="rect">
@@ -12164,7 +12219,37 @@
             </a:br>
             <a:r>
               <a:rPr lang="fr-FR" sz="1100" dirty="0"/>
-              <a:t>     </a:t>
+              <a:t>           </a:t>
+            </a:r>
+            <a:r>
+              <a:rPr lang="fr-FR" sz="1100" b="1" dirty="0">
+                <a:solidFill>
+                  <a:schemeClr val="bg1">
+                    <a:lumMod val="50000"/>
+                  </a:schemeClr>
+                </a:solidFill>
+              </a:rPr>
+              <a:t>#</a:t>
+            </a:r>
+            <a:r>
+              <a:rPr lang="fr-FR" sz="1100" dirty="0">
+                <a:solidFill>
+                  <a:schemeClr val="bg1">
+                    <a:lumMod val="50000"/>
+                  </a:schemeClr>
+                </a:solidFill>
+              </a:rPr>
+              <a:t> un commentaire commence par un </a:t>
+            </a:r>
+            <a:r>
+              <a:rPr lang="fr-FR" sz="1100" b="1" dirty="0">
+                <a:solidFill>
+                  <a:schemeClr val="bg1">
+                    <a:lumMod val="50000"/>
+                  </a:schemeClr>
+                </a:solidFill>
+              </a:rPr>
+              <a:t>#</a:t>
             </a:r>
             <a:br>
               <a:rPr lang="fr-FR" sz="1100" dirty="0"/>
@@ -12260,6 +12345,153 @@
         <p:spPr>
           <a:xfrm>
             <a:off x="4852614" y="822252"/>
+            <a:ext cx="1872209" cy="483285"/>
+          </a:xfrm>
+          <a:prstGeom prst="roundRect">
+            <a:avLst/>
+          </a:prstGeom>
+        </p:spPr>
+        <p:style>
+          <a:lnRef idx="2">
+            <a:schemeClr val="accent1">
+              <a:shade val="15000"/>
+            </a:schemeClr>
+          </a:lnRef>
+          <a:fillRef idx="1">
+            <a:schemeClr val="accent1"/>
+          </a:fillRef>
+          <a:effectRef idx="0">
+            <a:schemeClr val="accent1"/>
+          </a:effectRef>
+          <a:fontRef idx="minor">
+            <a:schemeClr val="lt1"/>
+          </a:fontRef>
+        </p:style>
+        <p:txBody>
+          <a:bodyPr rtlCol="0" anchor="ctr"/>
+          <a:lstStyle/>
+          <a:p>
+            <a:r>
+              <a:rPr lang="fr-FR" sz="1000" dirty="0"/>
+              <a:t>Il existe des mots-clés réservés par Python. Exemple : « if », « </a:t>
+            </a:r>
+            <a:r>
+              <a:rPr lang="fr-FR" sz="1000" dirty="0" err="1"/>
+              <a:t>else</a:t>
+            </a:r>
+            <a:r>
+              <a:rPr lang="fr-FR" sz="1000" dirty="0"/>
+              <a:t> », « for », « </a:t>
+            </a:r>
+            <a:r>
+              <a:rPr lang="fr-FR" sz="1000" dirty="0" err="1"/>
+              <a:t>while</a:t>
+            </a:r>
+            <a:r>
+              <a:rPr lang="fr-FR" sz="1000" dirty="0"/>
+              <a:t> », etc.</a:t>
+            </a:r>
+          </a:p>
+        </p:txBody>
+      </p:sp>
+      <p:sp>
+        <p:nvSpPr>
+          <p:cNvPr id="34" name="Rectangle : coins arrondis 33">
+            <a:extLst>
+              <a:ext uri="{FF2B5EF4-FFF2-40B4-BE49-F238E27FC236}">
+                <a16:creationId xmlns:a16="http://schemas.microsoft.com/office/drawing/2014/main" id="{E978AFE4-18E7-10ED-C5AA-910D10A04C18}"/>
+              </a:ext>
+            </a:extLst>
+          </p:cNvPr>
+          <p:cNvSpPr/>
+          <p:nvPr/>
+        </p:nvSpPr>
+        <p:spPr>
+          <a:xfrm>
+            <a:off x="3429000" y="1463830"/>
+            <a:ext cx="1312690" cy="719275"/>
+          </a:xfrm>
+          <a:prstGeom prst="roundRect">
+            <a:avLst/>
+          </a:prstGeom>
+        </p:spPr>
+        <p:style>
+          <a:lnRef idx="2">
+            <a:schemeClr val="accent1">
+              <a:shade val="15000"/>
+            </a:schemeClr>
+          </a:lnRef>
+          <a:fillRef idx="1">
+            <a:schemeClr val="accent1"/>
+          </a:fillRef>
+          <a:effectRef idx="0">
+            <a:schemeClr val="accent1"/>
+          </a:effectRef>
+          <a:fontRef idx="minor">
+            <a:schemeClr val="lt1"/>
+          </a:fontRef>
+        </p:style>
+        <p:txBody>
+          <a:bodyPr rtlCol="0" anchor="ctr"/>
+          <a:lstStyle/>
+          <a:p>
+            <a:pPr algn="ctr"/>
+            <a:r>
+              <a:rPr lang="fr-FR" sz="1000" dirty="0"/>
+              <a:t>Conversion de type : </a:t>
+            </a:r>
+          </a:p>
+          <a:p>
+            <a:pPr algn="ctr"/>
+            <a:r>
+              <a:rPr lang="fr-FR" sz="1000" dirty="0" err="1"/>
+              <a:t>int</a:t>
+            </a:r>
+            <a:r>
+              <a:rPr lang="fr-FR" sz="1000" dirty="0"/>
+              <a:t>(), </a:t>
+            </a:r>
+            <a:r>
+              <a:rPr lang="fr-FR" sz="1000" dirty="0" err="1"/>
+              <a:t>float</a:t>
+            </a:r>
+            <a:r>
+              <a:rPr lang="fr-FR" sz="1000" dirty="0"/>
+              <a:t>(), </a:t>
+            </a:r>
+            <a:br>
+              <a:rPr lang="fr-FR" sz="1000" dirty="0"/>
+            </a:br>
+            <a:endParaRPr lang="fr-FR" sz="1000" dirty="0"/>
+          </a:p>
+          <a:p>
+            <a:pPr algn="ctr"/>
+            <a:r>
+              <a:rPr lang="fr-FR" sz="1000" dirty="0" err="1"/>
+              <a:t>str</a:t>
+            </a:r>
+            <a:r>
+              <a:rPr lang="fr-FR" sz="1000" dirty="0"/>
+              <a:t>()</a:t>
+            </a:r>
+          </a:p>
+        </p:txBody>
+      </p:sp>
+      <p:sp>
+        <p:nvSpPr>
+          <p:cNvPr id="35" name="Rectangle : coins arrondis 34">
+            <a:extLst>
+              <a:ext uri="{FF2B5EF4-FFF2-40B4-BE49-F238E27FC236}">
+                <a16:creationId xmlns:a16="http://schemas.microsoft.com/office/drawing/2014/main" id="{AA802649-39CE-E248-479D-1162652BD361}"/>
+              </a:ext>
+            </a:extLst>
+          </p:cNvPr>
+          <p:cNvSpPr/>
+          <p:nvPr/>
+        </p:nvSpPr>
+        <p:spPr>
+          <a:xfrm>
+            <a:off x="4852614" y="1463517"/>
             <a:ext cx="1872209" cy="588522"/>
           </a:xfrm>
           <a:prstGeom prst="roundRect">
@@ -12287,172 +12519,67 @@
           <a:lstStyle/>
           <a:p>
             <a:r>
+              <a:rPr lang="fr-FR" sz="1000" b="1" dirty="0" err="1"/>
+              <a:t>print</a:t>
+            </a:r>
+            <a:r>
               <a:rPr lang="fr-FR" sz="1000" dirty="0"/>
-              <a:t>Il existe des mots-clés réservés par Python. Exemple : « if », « </a:t>
-            </a:r>
-            <a:r>
-              <a:rPr lang="fr-FR" sz="1000" dirty="0" err="1"/>
-              <a:t>else</a:t>
+              <a:t> : pour afficher du texte</a:t>
+            </a:r>
+          </a:p>
+          <a:p>
+            <a:r>
+              <a:rPr lang="fr-FR" sz="1000" b="1" dirty="0"/>
+              <a:t>input</a:t>
             </a:r>
             <a:r>
               <a:rPr lang="fr-FR" sz="1000" dirty="0"/>
-              <a:t> », « for », « </a:t>
-            </a:r>
-            <a:r>
-              <a:rPr lang="fr-FR" sz="1000" dirty="0" err="1"/>
-              <a:t>while</a:t>
-            </a:r>
-            <a:r>
-              <a:rPr lang="fr-FR" sz="1000" dirty="0"/>
-              <a:t> », etc.</a:t>
+              <a:t> : pour lire un texte tapé au clavier</a:t>
             </a:r>
           </a:p>
         </p:txBody>
       </p:sp>
       <p:sp>
         <p:nvSpPr>
-          <p:cNvPr id="34" name="Rectangle : coins arrondis 33">
+          <p:cNvPr id="62" name="ZoneTexte 61">
             <a:extLst>
               <a:ext uri="{FF2B5EF4-FFF2-40B4-BE49-F238E27FC236}">
-                <a16:creationId xmlns:a16="http://schemas.microsoft.com/office/drawing/2014/main" id="{E978AFE4-18E7-10ED-C5AA-910D10A04C18}"/>
+                <a16:creationId xmlns:a16="http://schemas.microsoft.com/office/drawing/2014/main" id="{7EE94B94-F555-BE4A-6C53-71D6267E3D65}"/>
               </a:ext>
             </a:extLst>
           </p:cNvPr>
-          <p:cNvSpPr/>
+          <p:cNvSpPr txBox="1"/>
           <p:nvPr/>
         </p:nvSpPr>
         <p:spPr>
           <a:xfrm>
-            <a:off x="3378619" y="1495005"/>
-            <a:ext cx="1312690" cy="369332"/>
+            <a:off x="40973" y="8784421"/>
+            <a:ext cx="1255408" cy="369332"/>
           </a:xfrm>
-          <a:prstGeom prst="roundRect">
+          <a:prstGeom prst="rect">
             <a:avLst/>
           </a:prstGeom>
+          <a:noFill/>
         </p:spPr>
-        <p:style>
-          <a:lnRef idx="2">
-            <a:schemeClr val="accent1">
-              <a:shade val="15000"/>
-            </a:schemeClr>
-          </a:lnRef>
-          <a:fillRef idx="1">
-            <a:schemeClr val="accent1"/>
-          </a:fillRef>
-          <a:effectRef idx="0">
-            <a:schemeClr val="accent1"/>
-          </a:effectRef>
-          <a:fontRef idx="minor">
-            <a:schemeClr val="lt1"/>
-          </a:fontRef>
-        </p:style>
         <p:txBody>
-          <a:bodyPr rtlCol="0" anchor="ctr"/>
+          <a:bodyPr wrap="none" rtlCol="0">
+            <a:spAutoFit/>
+          </a:bodyPr>
           <a:lstStyle/>
           <a:p>
-            <a:pPr algn="ctr"/>
-            <a:r>
-              <a:rPr lang="fr-FR" sz="1000" dirty="0"/>
-              <a:t>Conversion de type : </a:t>
-            </a:r>
-          </a:p>
-          <a:p>
-            <a:pPr algn="ctr"/>
-            <a:r>
-              <a:rPr lang="fr-FR" sz="1000" dirty="0" err="1"/>
-              <a:t>int</a:t>
-            </a:r>
-            <a:r>
-              <a:rPr lang="fr-FR" sz="1000" dirty="0"/>
-              <a:t>(), </a:t>
-            </a:r>
-            <a:r>
-              <a:rPr lang="fr-FR" sz="1000" dirty="0" err="1"/>
-              <a:t>float</a:t>
-            </a:r>
-            <a:r>
-              <a:rPr lang="fr-FR" sz="1000" dirty="0"/>
-              <a:t>(), </a:t>
-            </a:r>
-            <a:r>
-              <a:rPr lang="fr-FR" sz="1000" dirty="0" err="1"/>
-              <a:t>str</a:t>
-            </a:r>
-            <a:r>
-              <a:rPr lang="fr-FR" sz="1000" dirty="0"/>
-              <a:t>()</a:t>
-            </a:r>
-          </a:p>
-        </p:txBody>
-      </p:sp>
-      <p:sp>
-        <p:nvSpPr>
-          <p:cNvPr id="35" name="Rectangle : coins arrondis 34">
-            <a:extLst>
-              <a:ext uri="{FF2B5EF4-FFF2-40B4-BE49-F238E27FC236}">
-                <a16:creationId xmlns:a16="http://schemas.microsoft.com/office/drawing/2014/main" id="{AA802649-39CE-E248-479D-1162652BD361}"/>
-              </a:ext>
-            </a:extLst>
-          </p:cNvPr>
-          <p:cNvSpPr/>
-          <p:nvPr/>
-        </p:nvSpPr>
-        <p:spPr>
-          <a:xfrm>
-            <a:off x="4859634" y="1497629"/>
-            <a:ext cx="1872209" cy="588522"/>
-          </a:xfrm>
-          <a:prstGeom prst="roundRect">
-            <a:avLst/>
-          </a:prstGeom>
-        </p:spPr>
-        <p:style>
-          <a:lnRef idx="2">
-            <a:schemeClr val="accent1">
-              <a:shade val="15000"/>
-            </a:schemeClr>
-          </a:lnRef>
-          <a:fillRef idx="1">
-            <a:schemeClr val="accent1"/>
-          </a:fillRef>
-          <a:effectRef idx="0">
-            <a:schemeClr val="accent1"/>
-          </a:effectRef>
-          <a:fontRef idx="minor">
-            <a:schemeClr val="lt1"/>
-          </a:fontRef>
-        </p:style>
-        <p:txBody>
-          <a:bodyPr rtlCol="0" anchor="ctr"/>
-          <a:lstStyle/>
-          <a:p>
-            <a:r>
-              <a:rPr lang="fr-FR" sz="1000" b="1" dirty="0" err="1"/>
-              <a:t>print</a:t>
-            </a:r>
-            <a:r>
-              <a:rPr lang="fr-FR" sz="1000" dirty="0"/>
-              <a:t> : pour afficher du texte</a:t>
-            </a:r>
-          </a:p>
-          <a:p>
-            <a:r>
-              <a:rPr lang="fr-FR" sz="1000" b="1" dirty="0"/>
-              <a:t>input</a:t>
-            </a:r>
-            <a:r>
-              <a:rPr lang="fr-FR" sz="1000" dirty="0"/>
-              <a:t> : pour lire un texte tapé au clavier</a:t>
+            <a:r>
+              <a:rPr lang="fr-FR" dirty="0"/>
+              <a:t>Boucle for :</a:t>
             </a:r>
           </a:p>
         </p:txBody>
       </p:sp>
       <p:pic>
         <p:nvPicPr>
-          <p:cNvPr id="61" name="Image 60">
+          <p:cNvPr id="66" name="Image 65">
             <a:extLst>
               <a:ext uri="{FF2B5EF4-FFF2-40B4-BE49-F238E27FC236}">
-                <a16:creationId xmlns:a16="http://schemas.microsoft.com/office/drawing/2014/main" id="{A95E0E24-A062-D463-C413-1215BB208BEB}"/>
+                <a16:creationId xmlns:a16="http://schemas.microsoft.com/office/drawing/2014/main" id="{F85B21EB-DD8D-2ACA-23CB-F24A72F84727}"/>
               </a:ext>
             </a:extLst>
           </p:cNvPr>
@@ -12469,14 +12596,125 @@
         </p:blipFill>
         <p:spPr>
           <a:xfrm>
-            <a:off x="1299603" y="7338556"/>
-            <a:ext cx="5434410" cy="2516387"/>
+            <a:off x="82733" y="2764559"/>
+            <a:ext cx="4608512" cy="2272447"/>
           </a:xfrm>
           <a:prstGeom prst="rect">
             <a:avLst/>
           </a:prstGeom>
         </p:spPr>
       </p:pic>
+      <p:pic>
+        <p:nvPicPr>
+          <p:cNvPr id="27" name="Image 26">
+            <a:extLst>
+              <a:ext uri="{FF2B5EF4-FFF2-40B4-BE49-F238E27FC236}">
+                <a16:creationId xmlns:a16="http://schemas.microsoft.com/office/drawing/2014/main" id="{C91ECEF3-13B2-0605-3F84-A486A12E5376}"/>
+              </a:ext>
+            </a:extLst>
+          </p:cNvPr>
+          <p:cNvPicPr>
+            <a:picLocks noChangeAspect="1"/>
+          </p:cNvPicPr>
+          <p:nvPr/>
+        </p:nvPicPr>
+        <p:blipFill>
+          <a:blip r:embed="rId4"/>
+          <a:stretch>
+            <a:fillRect/>
+          </a:stretch>
+        </p:blipFill>
+        <p:spPr>
+          <a:xfrm>
+            <a:off x="695395" y="7905328"/>
+            <a:ext cx="6117981" cy="1830195"/>
+          </a:xfrm>
+          <a:prstGeom prst="rect">
+            <a:avLst/>
+          </a:prstGeom>
+        </p:spPr>
+      </p:pic>
+    </p:spTree>
+    <p:extLst>
+      <p:ext uri="{BB962C8B-B14F-4D97-AF65-F5344CB8AC3E}">
+        <p14:creationId xmlns:p14="http://schemas.microsoft.com/office/powerpoint/2010/main" val="3939987453"/>
+      </p:ext>
+    </p:extLst>
+  </p:cSld>
+  <p:clrMapOvr>
+    <a:masterClrMapping/>
+  </p:clrMapOvr>
+</p:sld>
+</file>
+
+<file path=ppt/slides/slide3.xml><?xml version="1.0" encoding="utf-8"?>
+<p:sld xmlns:a="http://schemas.openxmlformats.org/drawingml/2006/main" xmlns:r="http://schemas.openxmlformats.org/officeDocument/2006/relationships" xmlns:p="http://schemas.openxmlformats.org/presentationml/2006/main">
+  <p:cSld>
+    <p:spTree>
+      <p:nvGrpSpPr>
+        <p:cNvPr id="1" name=""/>
+        <p:cNvGrpSpPr/>
+        <p:nvPr/>
+      </p:nvGrpSpPr>
+      <p:grpSpPr>
+        <a:xfrm>
+          <a:off x="0" y="0"/>
+          <a:ext cx="0" cy="0"/>
+          <a:chOff x="0" y="0"/>
+          <a:chExt cx="0" cy="0"/>
+        </a:xfrm>
+      </p:grpSpPr>
+      <p:sp>
+        <p:nvSpPr>
+          <p:cNvPr id="2" name="ZoneTexte 1">
+            <a:extLst>
+              <a:ext uri="{FF2B5EF4-FFF2-40B4-BE49-F238E27FC236}">
+                <a16:creationId xmlns:a16="http://schemas.microsoft.com/office/drawing/2014/main" id="{E4DF73BF-BF5D-18D0-A2CC-01F6F673138D}"/>
+              </a:ext>
+            </a:extLst>
+          </p:cNvPr>
+          <p:cNvSpPr txBox="1"/>
+          <p:nvPr/>
+        </p:nvSpPr>
+        <p:spPr>
+          <a:xfrm>
+            <a:off x="116632" y="200472"/>
+            <a:ext cx="1551643" cy="646331"/>
+          </a:xfrm>
+          <a:prstGeom prst="rect">
+            <a:avLst/>
+          </a:prstGeom>
+          <a:noFill/>
+        </p:spPr>
+        <p:txBody>
+          <a:bodyPr wrap="none" rtlCol="0">
+            <a:spAutoFit/>
+          </a:bodyPr>
+          <a:lstStyle/>
+          <a:p>
+            <a:pPr algn="ctr"/>
+            <a:r>
+              <a:rPr lang="fr-FR" b="1" dirty="0">
+                <a:solidFill>
+                  <a:schemeClr val="bg1"/>
+                </a:solidFill>
+              </a:rPr>
+              <a:t>Memo Python</a:t>
+            </a:r>
+          </a:p>
+          <a:p>
+            <a:pPr algn="ctr"/>
+            <a:r>
+              <a:rPr lang="fr-FR" b="1" dirty="0">
+                <a:solidFill>
+                  <a:schemeClr val="bg1"/>
+                </a:solidFill>
+              </a:rPr>
+              <a:t>Version 1</a:t>
+            </a:r>
+          </a:p>
+        </p:txBody>
+      </p:sp>
       <p:sp>
         <p:nvSpPr>
           <p:cNvPr id="62" name="ZoneTexte 61">
@@ -12491,8 +12729,8 @@
         </p:nvSpPr>
         <p:spPr>
           <a:xfrm>
-            <a:off x="113735" y="8481410"/>
-            <a:ext cx="1027782" cy="369332"/>
+            <a:off x="9054" y="2398522"/>
+            <a:ext cx="1015806" cy="338554"/>
           </a:xfrm>
           <a:prstGeom prst="rect">
             <a:avLst/>
@@ -12500,13 +12738,13 @@
           <a:noFill/>
         </p:spPr>
         <p:txBody>
-          <a:bodyPr wrap="none" rtlCol="0">
+          <a:bodyPr wrap="square" rtlCol="0">
             <a:spAutoFit/>
           </a:bodyPr>
           <a:lstStyle/>
           <a:p>
             <a:r>
-              <a:rPr lang="fr-FR" dirty="0"/>
+              <a:rPr lang="fr-FR" sz="1600" dirty="0"/>
               <a:t>fonction:</a:t>
             </a:r>
           </a:p>
@@ -12515,6 +12753,46 @@
       <p:sp>
         <p:nvSpPr>
           <p:cNvPr id="63" name="ZoneTexte 62">
+            <a:extLst>
+              <a:ext uri="{FF2B5EF4-FFF2-40B4-BE49-F238E27FC236}">
+                <a16:creationId xmlns:a16="http://schemas.microsoft.com/office/drawing/2014/main" id="{4CC170C2-8E01-86FF-A257-BAFD47527476}"/>
+              </a:ext>
+            </a:extLst>
+          </p:cNvPr>
+          <p:cNvSpPr txBox="1"/>
+          <p:nvPr/>
+        </p:nvSpPr>
+        <p:spPr>
+          <a:xfrm>
+            <a:off x="6228316" y="3178253"/>
+            <a:ext cx="553247" cy="646331"/>
+          </a:xfrm>
+          <a:prstGeom prst="rect">
+            <a:avLst/>
+          </a:prstGeom>
+          <a:noFill/>
+        </p:spPr>
+        <p:txBody>
+          <a:bodyPr wrap="square" rtlCol="0">
+            <a:spAutoFit/>
+          </a:bodyPr>
+          <a:lstStyle/>
+          <a:p>
+            <a:pPr algn="ctr"/>
+            <a:r>
+              <a:rPr lang="fr-FR" b="1" dirty="0">
+                <a:solidFill>
+                  <a:schemeClr val="bg1"/>
+                </a:solidFill>
+              </a:rPr>
+              <a:t>SNT</a:t>
+            </a:r>
+          </a:p>
+        </p:txBody>
+      </p:sp>
+      <p:sp>
+        <p:nvSpPr>
+          <p:cNvPr id="25" name="ZoneTexte 24">
             <a:extLst>
               <a:ext uri="{FF2B5EF4-FFF2-40B4-BE49-F238E27FC236}">
                 <a16:creationId xmlns:a16="http://schemas.microsoft.com/office/drawing/2014/main" id="{4CC170C2-8E01-86FF-A257-BAFD47527476}"/>
@@ -12554,10 +12832,10 @@
       </p:sp>
       <p:pic>
         <p:nvPicPr>
-          <p:cNvPr id="66" name="Image 65">
+          <p:cNvPr id="26" name="Image 25">
             <a:extLst>
               <a:ext uri="{FF2B5EF4-FFF2-40B4-BE49-F238E27FC236}">
-                <a16:creationId xmlns:a16="http://schemas.microsoft.com/office/drawing/2014/main" id="{F85B21EB-DD8D-2ACA-23CB-F24A72F84727}"/>
+                <a16:creationId xmlns:a16="http://schemas.microsoft.com/office/drawing/2014/main" id="{E9883E54-B189-753D-2C08-54BECDE943F7}"/>
               </a:ext>
             </a:extLst>
           </p:cNvPr>
@@ -12567,15 +12845,15 @@
           <p:nvPr/>
         </p:nvPicPr>
         <p:blipFill>
-          <a:blip r:embed="rId4"/>
+          <a:blip r:embed="rId2"/>
           <a:stretch>
             <a:fillRect/>
           </a:stretch>
         </p:blipFill>
         <p:spPr>
           <a:xfrm>
-            <a:off x="67484" y="2608545"/>
-            <a:ext cx="4608512" cy="2272447"/>
+            <a:off x="1027778" y="1064568"/>
+            <a:ext cx="5761638" cy="2667908"/>
           </a:xfrm>
           <a:prstGeom prst="rect">
             <a:avLst/>
@@ -12585,7 +12863,7 @@
     </p:spTree>
     <p:extLst>
       <p:ext uri="{BB962C8B-B14F-4D97-AF65-F5344CB8AC3E}">
-        <p14:creationId xmlns:p14="http://schemas.microsoft.com/office/powerpoint/2010/main" val="3939987453"/>
+        <p14:creationId xmlns:p14="http://schemas.microsoft.com/office/powerpoint/2010/main" val="3342165554"/>
       </p:ext>
     </p:extLst>
   </p:cSld>

--- a/01_python/cours/Memo Python V1.pptx
+++ b/01_python/cours/Memo Python V1.pptx
@@ -1608,14 +1608,14 @@
           <a:effectLst/>
           <a:extLst>
             <a:ext uri="{909E8E84-426E-40dd-AFC4-6F175D3DCCD1}">
-              <a14:hiddenFill xmlns:a14="http://schemas.microsoft.com/office/drawing/2010/main" xmlns="">
+              <a14:hiddenFill xmlns="" xmlns:a14="http://schemas.microsoft.com/office/drawing/2010/main">
                 <a:solidFill>
                   <a:schemeClr val="accent1"/>
                 </a:solidFill>
               </a14:hiddenFill>
             </a:ext>
             <a:ext uri="{91240B29-F687-4f45-9708-019B960494DF}">
-              <a14:hiddenLine xmlns:a14="http://schemas.microsoft.com/office/drawing/2010/main" xmlns="" w="9525">
+              <a14:hiddenLine xmlns="" xmlns:a14="http://schemas.microsoft.com/office/drawing/2010/main" w="9525">
                 <a:solidFill>
                   <a:schemeClr val="tx1"/>
                 </a:solidFill>
@@ -1625,7 +1625,7 @@
               </a14:hiddenLine>
             </a:ext>
             <a:ext uri="{AF507438-7753-43e0-B8FC-AC1667EBCBE1}">
-              <a14:hiddenEffects xmlns:a14="http://schemas.microsoft.com/office/drawing/2010/main" xmlns="">
+              <a14:hiddenEffects xmlns="" xmlns:a14="http://schemas.microsoft.com/office/drawing/2010/main">
                 <a:effectLst>
                   <a:outerShdw blurRad="63500" dist="38099" dir="2700000" algn="ctr" rotWithShape="0">
                     <a:schemeClr val="bg2">
@@ -1636,7 +1636,7 @@
               </a14:hiddenEffects>
             </a:ext>
             <a:ext uri="{FAA26D3D-D897-4be2-8F04-BA451C77F1D7}">
-              <ma14:placeholderFlag xmlns:ma14="http://schemas.microsoft.com/office/mac/drawingml/2011/main" xmlns="" val="1"/>
+              <ma14:placeholderFlag xmlns="" xmlns:ma14="http://schemas.microsoft.com/office/mac/drawingml/2011/main" val="1"/>
             </a:ext>
           </a:extLst>
         </p:spPr>
@@ -1681,14 +1681,14 @@
           <a:effectLst/>
           <a:extLst>
             <a:ext uri="{909E8E84-426E-40dd-AFC4-6F175D3DCCD1}">
-              <a14:hiddenFill xmlns:a14="http://schemas.microsoft.com/office/drawing/2010/main" xmlns="">
+              <a14:hiddenFill xmlns="" xmlns:a14="http://schemas.microsoft.com/office/drawing/2010/main">
                 <a:solidFill>
                   <a:schemeClr val="accent1"/>
                 </a:solidFill>
               </a14:hiddenFill>
             </a:ext>
             <a:ext uri="{91240B29-F687-4f45-9708-019B960494DF}">
-              <a14:hiddenLine xmlns:a14="http://schemas.microsoft.com/office/drawing/2010/main" xmlns="" w="9525">
+              <a14:hiddenLine xmlns="" xmlns:a14="http://schemas.microsoft.com/office/drawing/2010/main" w="9525">
                 <a:solidFill>
                   <a:schemeClr val="tx1"/>
                 </a:solidFill>
@@ -1698,7 +1698,7 @@
               </a14:hiddenLine>
             </a:ext>
             <a:ext uri="{AF507438-7753-43e0-B8FC-AC1667EBCBE1}">
-              <a14:hiddenEffects xmlns:a14="http://schemas.microsoft.com/office/drawing/2010/main" xmlns="">
+              <a14:hiddenEffects xmlns="" xmlns:a14="http://schemas.microsoft.com/office/drawing/2010/main">
                 <a:effectLst>
                   <a:outerShdw blurRad="63500" dist="38099" dir="2700000" algn="ctr" rotWithShape="0">
                     <a:schemeClr val="bg2">
@@ -1709,7 +1709,7 @@
               </a14:hiddenEffects>
             </a:ext>
             <a:ext uri="{FAA26D3D-D897-4be2-8F04-BA451C77F1D7}">
-              <ma14:placeholderFlag xmlns:ma14="http://schemas.microsoft.com/office/mac/drawingml/2011/main" xmlns="" val="1"/>
+              <ma14:placeholderFlag xmlns="" xmlns:ma14="http://schemas.microsoft.com/office/mac/drawingml/2011/main" val="1"/>
             </a:ext>
           </a:extLst>
         </p:spPr>
@@ -1754,14 +1754,14 @@
           <a:effectLst/>
           <a:extLst>
             <a:ext uri="{909E8E84-426E-40dd-AFC4-6F175D3DCCD1}">
-              <a14:hiddenFill xmlns:a14="http://schemas.microsoft.com/office/drawing/2010/main" xmlns="">
+              <a14:hiddenFill xmlns="" xmlns:a14="http://schemas.microsoft.com/office/drawing/2010/main">
                 <a:solidFill>
                   <a:schemeClr val="accent1"/>
                 </a:solidFill>
               </a14:hiddenFill>
             </a:ext>
             <a:ext uri="{91240B29-F687-4f45-9708-019B960494DF}">
-              <a14:hiddenLine xmlns:a14="http://schemas.microsoft.com/office/drawing/2010/main" xmlns="" w="9525">
+              <a14:hiddenLine xmlns="" xmlns:a14="http://schemas.microsoft.com/office/drawing/2010/main" w="9525">
                 <a:solidFill>
                   <a:schemeClr val="tx1"/>
                 </a:solidFill>
@@ -1771,7 +1771,7 @@
               </a14:hiddenLine>
             </a:ext>
             <a:ext uri="{AF507438-7753-43e0-B8FC-AC1667EBCBE1}">
-              <a14:hiddenEffects xmlns:a14="http://schemas.microsoft.com/office/drawing/2010/main" xmlns="">
+              <a14:hiddenEffects xmlns="" xmlns:a14="http://schemas.microsoft.com/office/drawing/2010/main">
                 <a:effectLst>
                   <a:outerShdw blurRad="63500" dist="38099" dir="2700000" algn="ctr" rotWithShape="0">
                     <a:schemeClr val="bg2">
@@ -1782,7 +1782,7 @@
               </a14:hiddenEffects>
             </a:ext>
             <a:ext uri="{FAA26D3D-D897-4be2-8F04-BA451C77F1D7}">
-              <ma14:placeholderFlag xmlns:ma14="http://schemas.microsoft.com/office/mac/drawingml/2011/main" xmlns="" val="1"/>
+              <ma14:placeholderFlag xmlns="" xmlns:ma14="http://schemas.microsoft.com/office/mac/drawingml/2011/main" val="1"/>
             </a:ext>
           </a:extLst>
         </p:spPr>
@@ -1827,14 +1827,14 @@
           <a:effectLst/>
           <a:extLst>
             <a:ext uri="{909E8E84-426E-40dd-AFC4-6F175D3DCCD1}">
-              <a14:hiddenFill xmlns:a14="http://schemas.microsoft.com/office/drawing/2010/main" xmlns="">
+              <a14:hiddenFill xmlns="" xmlns:a14="http://schemas.microsoft.com/office/drawing/2010/main">
                 <a:solidFill>
                   <a:schemeClr val="accent1"/>
                 </a:solidFill>
               </a14:hiddenFill>
             </a:ext>
             <a:ext uri="{91240B29-F687-4f45-9708-019B960494DF}">
-              <a14:hiddenLine xmlns:a14="http://schemas.microsoft.com/office/drawing/2010/main" xmlns="" w="9525">
+              <a14:hiddenLine xmlns="" xmlns:a14="http://schemas.microsoft.com/office/drawing/2010/main" w="9525">
                 <a:solidFill>
                   <a:schemeClr val="tx1"/>
                 </a:solidFill>
@@ -1844,7 +1844,7 @@
               </a14:hiddenLine>
             </a:ext>
             <a:ext uri="{AF507438-7753-43e0-B8FC-AC1667EBCBE1}">
-              <a14:hiddenEffects xmlns:a14="http://schemas.microsoft.com/office/drawing/2010/main" xmlns="">
+              <a14:hiddenEffects xmlns="" xmlns:a14="http://schemas.microsoft.com/office/drawing/2010/main">
                 <a:effectLst>
                   <a:outerShdw blurRad="63500" dist="38099" dir="2700000" algn="ctr" rotWithShape="0">
                     <a:schemeClr val="bg2">
@@ -1855,7 +1855,7 @@
               </a14:hiddenEffects>
             </a:ext>
             <a:ext uri="{FAA26D3D-D897-4be2-8F04-BA451C77F1D7}">
-              <ma14:placeholderFlag xmlns:ma14="http://schemas.microsoft.com/office/mac/drawingml/2011/main" xmlns="" val="1"/>
+              <ma14:placeholderFlag xmlns="" xmlns:ma14="http://schemas.microsoft.com/office/mac/drawingml/2011/main" val="1"/>
             </a:ext>
           </a:extLst>
         </p:spPr>
@@ -1941,14 +1941,14 @@
           <a:effectLst/>
           <a:extLst>
             <a:ext uri="{909E8E84-426E-40dd-AFC4-6F175D3DCCD1}">
-              <a14:hiddenFill xmlns:a14="http://schemas.microsoft.com/office/drawing/2010/main" xmlns="">
+              <a14:hiddenFill xmlns="" xmlns:a14="http://schemas.microsoft.com/office/drawing/2010/main">
                 <a:solidFill>
                   <a:schemeClr val="accent1"/>
                 </a:solidFill>
               </a14:hiddenFill>
             </a:ext>
             <a:ext uri="{91240B29-F687-4f45-9708-019B960494DF}">
-              <a14:hiddenLine xmlns:a14="http://schemas.microsoft.com/office/drawing/2010/main" xmlns="" w="9525">
+              <a14:hiddenLine xmlns="" xmlns:a14="http://schemas.microsoft.com/office/drawing/2010/main" w="9525">
                 <a:solidFill>
                   <a:schemeClr val="tx1"/>
                 </a:solidFill>
@@ -1958,7 +1958,7 @@
               </a14:hiddenLine>
             </a:ext>
             <a:ext uri="{AF507438-7753-43e0-B8FC-AC1667EBCBE1}">
-              <a14:hiddenEffects xmlns:a14="http://schemas.microsoft.com/office/drawing/2010/main" xmlns="">
+              <a14:hiddenEffects xmlns="" xmlns:a14="http://schemas.microsoft.com/office/drawing/2010/main">
                 <a:effectLst>
                   <a:outerShdw blurRad="63500" dist="38099" dir="2700000" algn="ctr" rotWithShape="0">
                     <a:schemeClr val="bg2">
@@ -1969,7 +1969,7 @@
               </a14:hiddenEffects>
             </a:ext>
             <a:ext uri="{FAA26D3D-D897-4be2-8F04-BA451C77F1D7}">
-              <ma14:placeholderFlag xmlns:ma14="http://schemas.microsoft.com/office/mac/drawingml/2011/main" xmlns="" val="1"/>
+              <ma14:placeholderFlag xmlns="" xmlns:ma14="http://schemas.microsoft.com/office/mac/drawingml/2011/main" val="1"/>
             </a:ext>
           </a:extLst>
         </p:spPr>
@@ -2014,14 +2014,14 @@
           <a:effectLst/>
           <a:extLst>
             <a:ext uri="{909E8E84-426E-40dd-AFC4-6F175D3DCCD1}">
-              <a14:hiddenFill xmlns:a14="http://schemas.microsoft.com/office/drawing/2010/main" xmlns="">
+              <a14:hiddenFill xmlns="" xmlns:a14="http://schemas.microsoft.com/office/drawing/2010/main">
                 <a:solidFill>
                   <a:schemeClr val="accent1"/>
                 </a:solidFill>
               </a14:hiddenFill>
             </a:ext>
             <a:ext uri="{91240B29-F687-4f45-9708-019B960494DF}">
-              <a14:hiddenLine xmlns:a14="http://schemas.microsoft.com/office/drawing/2010/main" xmlns="" w="9525">
+              <a14:hiddenLine xmlns="" xmlns:a14="http://schemas.microsoft.com/office/drawing/2010/main" w="9525">
                 <a:solidFill>
                   <a:schemeClr val="tx1"/>
                 </a:solidFill>
@@ -2031,7 +2031,7 @@
               </a14:hiddenLine>
             </a:ext>
             <a:ext uri="{AF507438-7753-43e0-B8FC-AC1667EBCBE1}">
-              <a14:hiddenEffects xmlns:a14="http://schemas.microsoft.com/office/drawing/2010/main" xmlns="">
+              <a14:hiddenEffects xmlns="" xmlns:a14="http://schemas.microsoft.com/office/drawing/2010/main">
                 <a:effectLst>
                   <a:outerShdw blurRad="63500" dist="38099" dir="2700000" algn="ctr" rotWithShape="0">
                     <a:schemeClr val="bg2">
@@ -2042,7 +2042,7 @@
               </a14:hiddenEffects>
             </a:ext>
             <a:ext uri="{FAA26D3D-D897-4be2-8F04-BA451C77F1D7}">
-              <ma14:placeholderFlag xmlns:ma14="http://schemas.microsoft.com/office/mac/drawingml/2011/main" xmlns="" val="1"/>
+              <ma14:placeholderFlag xmlns="" xmlns:ma14="http://schemas.microsoft.com/office/mac/drawingml/2011/main" val="1"/>
             </a:ext>
           </a:extLst>
         </p:spPr>
@@ -2092,7 +2092,7 @@
           <a:effectLst/>
           <a:extLst>
             <a:ext uri="{AF507438-7753-43e0-B8FC-AC1667EBCBE1}">
-              <a14:hiddenEffects xmlns:a14="http://schemas.microsoft.com/office/drawing/2010/main" xmlns="">
+              <a14:hiddenEffects xmlns="" xmlns:a14="http://schemas.microsoft.com/office/drawing/2010/main">
                 <a:effectLst>
                   <a:outerShdw blurRad="63500" dist="38099" dir="2700000" algn="ctr" rotWithShape="0">
                     <a:srgbClr val="000000">
@@ -2103,7 +2103,7 @@
               </a14:hiddenEffects>
             </a:ext>
             <a:ext uri="{53640926-AAD7-44d8-BBD7-CCE9431645EC}">
-              <a14:shadowObscured xmlns:a14="http://schemas.microsoft.com/office/drawing/2010/main" xmlns="" val="1"/>
+              <a14:shadowObscured xmlns="" xmlns:a14="http://schemas.microsoft.com/office/drawing/2010/main" val="1"/>
             </a:ext>
           </a:extLst>
         </p:spPr>
@@ -2133,14 +2133,14 @@
           <a:effectLst/>
           <a:extLst>
             <a:ext uri="{909E8E84-426E-40dd-AFC4-6F175D3DCCD1}">
-              <a14:hiddenFill xmlns:a14="http://schemas.microsoft.com/office/drawing/2010/main" xmlns="">
+              <a14:hiddenFill xmlns="" xmlns:a14="http://schemas.microsoft.com/office/drawing/2010/main">
                 <a:solidFill>
                   <a:schemeClr val="accent1"/>
                 </a:solidFill>
               </a14:hiddenFill>
             </a:ext>
             <a:ext uri="{91240B29-F687-4f45-9708-019B960494DF}">
-              <a14:hiddenLine xmlns:a14="http://schemas.microsoft.com/office/drawing/2010/main" xmlns="" w="9525">
+              <a14:hiddenLine xmlns="" xmlns:a14="http://schemas.microsoft.com/office/drawing/2010/main" w="9525">
                 <a:solidFill>
                   <a:schemeClr val="tx1"/>
                 </a:solidFill>
@@ -2150,7 +2150,7 @@
               </a14:hiddenLine>
             </a:ext>
             <a:ext uri="{AF507438-7753-43e0-B8FC-AC1667EBCBE1}">
-              <a14:hiddenEffects xmlns:a14="http://schemas.microsoft.com/office/drawing/2010/main" xmlns="">
+              <a14:hiddenEffects xmlns="" xmlns:a14="http://schemas.microsoft.com/office/drawing/2010/main">
                 <a:effectLst>
                   <a:outerShdw blurRad="63500" dist="38099" dir="2700000" algn="ctr" rotWithShape="0">
                     <a:schemeClr val="bg2">
@@ -2161,7 +2161,7 @@
               </a14:hiddenEffects>
             </a:ext>
             <a:ext uri="{FAA26D3D-D897-4be2-8F04-BA451C77F1D7}">
-              <ma14:placeholderFlag xmlns:ma14="http://schemas.microsoft.com/office/mac/drawingml/2011/main" xmlns="" val="1"/>
+              <ma14:placeholderFlag xmlns="" xmlns:ma14="http://schemas.microsoft.com/office/mac/drawingml/2011/main" val="1"/>
             </a:ext>
           </a:extLst>
         </p:spPr>
@@ -2234,14 +2234,14 @@
           <a:effectLst/>
           <a:extLst>
             <a:ext uri="{909E8E84-426E-40dd-AFC4-6F175D3DCCD1}">
-              <a14:hiddenFill xmlns:a14="http://schemas.microsoft.com/office/drawing/2010/main" xmlns="">
+              <a14:hiddenFill xmlns="" xmlns:a14="http://schemas.microsoft.com/office/drawing/2010/main">
                 <a:solidFill>
                   <a:schemeClr val="accent1"/>
                 </a:solidFill>
               </a14:hiddenFill>
             </a:ext>
             <a:ext uri="{91240B29-F687-4f45-9708-019B960494DF}">
-              <a14:hiddenLine xmlns:a14="http://schemas.microsoft.com/office/drawing/2010/main" xmlns="" w="9525">
+              <a14:hiddenLine xmlns="" xmlns:a14="http://schemas.microsoft.com/office/drawing/2010/main" w="9525">
                 <a:solidFill>
                   <a:schemeClr val="tx1"/>
                 </a:solidFill>
@@ -2251,7 +2251,7 @@
               </a14:hiddenLine>
             </a:ext>
             <a:ext uri="{AF507438-7753-43e0-B8FC-AC1667EBCBE1}">
-              <a14:hiddenEffects xmlns:a14="http://schemas.microsoft.com/office/drawing/2010/main" xmlns="">
+              <a14:hiddenEffects xmlns="" xmlns:a14="http://schemas.microsoft.com/office/drawing/2010/main">
                 <a:effectLst>
                   <a:outerShdw blurRad="63500" dist="38099" dir="2700000" algn="ctr" rotWithShape="0">
                     <a:schemeClr val="bg2">
@@ -2262,7 +2262,7 @@
               </a14:hiddenEffects>
             </a:ext>
             <a:ext uri="{FAA26D3D-D897-4be2-8F04-BA451C77F1D7}">
-              <ma14:placeholderFlag xmlns:ma14="http://schemas.microsoft.com/office/mac/drawingml/2011/main" xmlns="" val="1"/>
+              <ma14:placeholderFlag xmlns="" xmlns:ma14="http://schemas.microsoft.com/office/mac/drawingml/2011/main" val="1"/>
             </a:ext>
           </a:extLst>
         </p:spPr>
@@ -2307,14 +2307,14 @@
           <a:effectLst/>
           <a:extLst>
             <a:ext uri="{909E8E84-426E-40dd-AFC4-6F175D3DCCD1}">
-              <a14:hiddenFill xmlns:a14="http://schemas.microsoft.com/office/drawing/2010/main" xmlns="">
+              <a14:hiddenFill xmlns="" xmlns:a14="http://schemas.microsoft.com/office/drawing/2010/main">
                 <a:solidFill>
                   <a:schemeClr val="accent1"/>
                 </a:solidFill>
               </a14:hiddenFill>
             </a:ext>
             <a:ext uri="{91240B29-F687-4f45-9708-019B960494DF}">
-              <a14:hiddenLine xmlns:a14="http://schemas.microsoft.com/office/drawing/2010/main" xmlns="" w="9525">
+              <a14:hiddenLine xmlns="" xmlns:a14="http://schemas.microsoft.com/office/drawing/2010/main" w="9525">
                 <a:solidFill>
                   <a:schemeClr val="tx1"/>
                 </a:solidFill>
@@ -2324,7 +2324,7 @@
               </a14:hiddenLine>
             </a:ext>
             <a:ext uri="{AF507438-7753-43e0-B8FC-AC1667EBCBE1}">
-              <a14:hiddenEffects xmlns:a14="http://schemas.microsoft.com/office/drawing/2010/main" xmlns="">
+              <a14:hiddenEffects xmlns="" xmlns:a14="http://schemas.microsoft.com/office/drawing/2010/main">
                 <a:effectLst>
                   <a:outerShdw blurRad="63500" dist="38099" dir="2700000" algn="ctr" rotWithShape="0">
                     <a:schemeClr val="bg2">
@@ -2335,7 +2335,7 @@
               </a14:hiddenEffects>
             </a:ext>
             <a:ext uri="{FAA26D3D-D897-4be2-8F04-BA451C77F1D7}">
-              <ma14:placeholderFlag xmlns:ma14="http://schemas.microsoft.com/office/mac/drawingml/2011/main" xmlns="" val="1"/>
+              <ma14:placeholderFlag xmlns="" xmlns:ma14="http://schemas.microsoft.com/office/mac/drawingml/2011/main" val="1"/>
             </a:ext>
           </a:extLst>
         </p:spPr>
@@ -2624,7 +2624,7 @@
           <a:p>
             <a:fld id="{C764DE79-268F-4C1A-8933-263129D2AF90}" type="datetimeFigureOut">
               <a:rPr lang="en-US" smtClean="0"/>
-              <a:t>8/26/2024</a:t>
+              <a:t>8/29/2024</a:t>
             </a:fld>
             <a:endParaRPr lang="en-US" dirty="0"/>
           </a:p>
@@ -2794,7 +2794,7 @@
           <a:p>
             <a:fld id="{C764DE79-268F-4C1A-8933-263129D2AF90}" type="datetimeFigureOut">
               <a:rPr lang="en-US" smtClean="0"/>
-              <a:t>8/26/2024</a:t>
+              <a:t>8/29/2024</a:t>
             </a:fld>
             <a:endParaRPr lang="en-US" dirty="0"/>
           </a:p>
@@ -2974,7 +2974,7 @@
           <a:p>
             <a:fld id="{C764DE79-268F-4C1A-8933-263129D2AF90}" type="datetimeFigureOut">
               <a:rPr lang="en-US" smtClean="0"/>
-              <a:t>8/26/2024</a:t>
+              <a:t>8/29/2024</a:t>
             </a:fld>
             <a:endParaRPr lang="en-US" dirty="0"/>
           </a:p>
@@ -3144,7 +3144,7 @@
           <a:p>
             <a:fld id="{C764DE79-268F-4C1A-8933-263129D2AF90}" type="datetimeFigureOut">
               <a:rPr lang="en-US" smtClean="0"/>
-              <a:t>8/26/2024</a:t>
+              <a:t>8/29/2024</a:t>
             </a:fld>
             <a:endParaRPr lang="en-US" dirty="0"/>
           </a:p>
@@ -3388,7 +3388,7 @@
           <a:p>
             <a:fld id="{C764DE79-268F-4C1A-8933-263129D2AF90}" type="datetimeFigureOut">
               <a:rPr lang="en-US" smtClean="0"/>
-              <a:t>8/26/2024</a:t>
+              <a:t>8/29/2024</a:t>
             </a:fld>
             <a:endParaRPr lang="en-US" dirty="0"/>
           </a:p>
@@ -3621,7 +3621,7 @@
           <a:p>
             <a:fld id="{C764DE79-268F-4C1A-8933-263129D2AF90}" type="datetimeFigureOut">
               <a:rPr lang="en-US" smtClean="0"/>
-              <a:t>8/26/2024</a:t>
+              <a:t>8/29/2024</a:t>
             </a:fld>
             <a:endParaRPr lang="en-US" dirty="0"/>
           </a:p>
@@ -3988,7 +3988,7 @@
           <a:p>
             <a:fld id="{C764DE79-268F-4C1A-8933-263129D2AF90}" type="datetimeFigureOut">
               <a:rPr lang="en-US" smtClean="0"/>
-              <a:t>8/26/2024</a:t>
+              <a:t>8/29/2024</a:t>
             </a:fld>
             <a:endParaRPr lang="en-US" dirty="0"/>
           </a:p>
@@ -4106,7 +4106,7 @@
           <a:p>
             <a:fld id="{C764DE79-268F-4C1A-8933-263129D2AF90}" type="datetimeFigureOut">
               <a:rPr lang="en-US" smtClean="0"/>
-              <a:t>8/26/2024</a:t>
+              <a:t>8/29/2024</a:t>
             </a:fld>
             <a:endParaRPr lang="en-US" dirty="0"/>
           </a:p>
@@ -4635,7 +4635,7 @@
           <a:p>
             <a:fld id="{C764DE79-268F-4C1A-8933-263129D2AF90}" type="datetimeFigureOut">
               <a:rPr lang="en-US" smtClean="0"/>
-              <a:t>8/26/2024</a:t>
+              <a:t>8/29/2024</a:t>
             </a:fld>
             <a:endParaRPr lang="en-US" dirty="0"/>
           </a:p>
@@ -4892,7 +4892,7 @@
           <a:p>
             <a:fld id="{C764DE79-268F-4C1A-8933-263129D2AF90}" type="datetimeFigureOut">
               <a:rPr lang="en-US" smtClean="0"/>
-              <a:t>8/26/2024</a:t>
+              <a:t>8/29/2024</a:t>
             </a:fld>
             <a:endParaRPr lang="en-US" dirty="0"/>
           </a:p>
@@ -5167,7 +5167,7 @@
           <a:p>
             <a:fld id="{C764DE79-268F-4C1A-8933-263129D2AF90}" type="datetimeFigureOut">
               <a:rPr lang="en-US" smtClean="0"/>
-              <a:t>8/26/2024</a:t>
+              <a:t>8/29/2024</a:t>
             </a:fld>
             <a:endParaRPr lang="en-US" dirty="0"/>
           </a:p>
@@ -12729,8 +12729,8 @@
         </p:nvSpPr>
         <p:spPr>
           <a:xfrm>
-            <a:off x="9054" y="2398522"/>
-            <a:ext cx="1015806" cy="338554"/>
+            <a:off x="-62954" y="2398522"/>
+            <a:ext cx="1115690" cy="369332"/>
           </a:xfrm>
           <a:prstGeom prst="rect">
             <a:avLst/>
@@ -12744,8 +12744,8 @@
           <a:lstStyle/>
           <a:p>
             <a:r>
-              <a:rPr lang="fr-FR" sz="1600" dirty="0"/>
-              <a:t>fonction:</a:t>
+              <a:rPr lang="fr-FR" dirty="0"/>
+              <a:t>Fonction :</a:t>
             </a:r>
           </a:p>
         </p:txBody>

--- a/01_python/cours/Memo Python V1.pptx
+++ b/01_python/cours/Memo Python V1.pptx
@@ -1608,14 +1608,14 @@
           <a:effectLst/>
           <a:extLst>
             <a:ext uri="{909E8E84-426E-40dd-AFC4-6F175D3DCCD1}">
-              <a14:hiddenFill xmlns="" xmlns:a14="http://schemas.microsoft.com/office/drawing/2010/main">
+              <a14:hiddenFill xmlns:a14="http://schemas.microsoft.com/office/drawing/2010/main" xmlns="">
                 <a:solidFill>
                   <a:schemeClr val="accent1"/>
                 </a:solidFill>
               </a14:hiddenFill>
             </a:ext>
             <a:ext uri="{91240B29-F687-4f45-9708-019B960494DF}">
-              <a14:hiddenLine xmlns="" xmlns:a14="http://schemas.microsoft.com/office/drawing/2010/main" w="9525">
+              <a14:hiddenLine xmlns:a14="http://schemas.microsoft.com/office/drawing/2010/main" xmlns="" w="9525">
                 <a:solidFill>
                   <a:schemeClr val="tx1"/>
                 </a:solidFill>
@@ -1625,7 +1625,7 @@
               </a14:hiddenLine>
             </a:ext>
             <a:ext uri="{AF507438-7753-43e0-B8FC-AC1667EBCBE1}">
-              <a14:hiddenEffects xmlns="" xmlns:a14="http://schemas.microsoft.com/office/drawing/2010/main">
+              <a14:hiddenEffects xmlns:a14="http://schemas.microsoft.com/office/drawing/2010/main" xmlns="">
                 <a:effectLst>
                   <a:outerShdw blurRad="63500" dist="38099" dir="2700000" algn="ctr" rotWithShape="0">
                     <a:schemeClr val="bg2">
@@ -1636,7 +1636,7 @@
               </a14:hiddenEffects>
             </a:ext>
             <a:ext uri="{FAA26D3D-D897-4be2-8F04-BA451C77F1D7}">
-              <ma14:placeholderFlag xmlns="" xmlns:ma14="http://schemas.microsoft.com/office/mac/drawingml/2011/main" val="1"/>
+              <ma14:placeholderFlag xmlns:ma14="http://schemas.microsoft.com/office/mac/drawingml/2011/main" xmlns="" val="1"/>
             </a:ext>
           </a:extLst>
         </p:spPr>
@@ -1681,14 +1681,14 @@
           <a:effectLst/>
           <a:extLst>
             <a:ext uri="{909E8E84-426E-40dd-AFC4-6F175D3DCCD1}">
-              <a14:hiddenFill xmlns="" xmlns:a14="http://schemas.microsoft.com/office/drawing/2010/main">
+              <a14:hiddenFill xmlns:a14="http://schemas.microsoft.com/office/drawing/2010/main" xmlns="">
                 <a:solidFill>
                   <a:schemeClr val="accent1"/>
                 </a:solidFill>
               </a14:hiddenFill>
             </a:ext>
             <a:ext uri="{91240B29-F687-4f45-9708-019B960494DF}">
-              <a14:hiddenLine xmlns="" xmlns:a14="http://schemas.microsoft.com/office/drawing/2010/main" w="9525">
+              <a14:hiddenLine xmlns:a14="http://schemas.microsoft.com/office/drawing/2010/main" xmlns="" w="9525">
                 <a:solidFill>
                   <a:schemeClr val="tx1"/>
                 </a:solidFill>
@@ -1698,7 +1698,7 @@
               </a14:hiddenLine>
             </a:ext>
             <a:ext uri="{AF507438-7753-43e0-B8FC-AC1667EBCBE1}">
-              <a14:hiddenEffects xmlns="" xmlns:a14="http://schemas.microsoft.com/office/drawing/2010/main">
+              <a14:hiddenEffects xmlns:a14="http://schemas.microsoft.com/office/drawing/2010/main" xmlns="">
                 <a:effectLst>
                   <a:outerShdw blurRad="63500" dist="38099" dir="2700000" algn="ctr" rotWithShape="0">
                     <a:schemeClr val="bg2">
@@ -1709,7 +1709,7 @@
               </a14:hiddenEffects>
             </a:ext>
             <a:ext uri="{FAA26D3D-D897-4be2-8F04-BA451C77F1D7}">
-              <ma14:placeholderFlag xmlns="" xmlns:ma14="http://schemas.microsoft.com/office/mac/drawingml/2011/main" val="1"/>
+              <ma14:placeholderFlag xmlns:ma14="http://schemas.microsoft.com/office/mac/drawingml/2011/main" xmlns="" val="1"/>
             </a:ext>
           </a:extLst>
         </p:spPr>
@@ -1754,14 +1754,14 @@
           <a:effectLst/>
           <a:extLst>
             <a:ext uri="{909E8E84-426E-40dd-AFC4-6F175D3DCCD1}">
-              <a14:hiddenFill xmlns="" xmlns:a14="http://schemas.microsoft.com/office/drawing/2010/main">
+              <a14:hiddenFill xmlns:a14="http://schemas.microsoft.com/office/drawing/2010/main" xmlns="">
                 <a:solidFill>
                   <a:schemeClr val="accent1"/>
                 </a:solidFill>
               </a14:hiddenFill>
             </a:ext>
             <a:ext uri="{91240B29-F687-4f45-9708-019B960494DF}">
-              <a14:hiddenLine xmlns="" xmlns:a14="http://schemas.microsoft.com/office/drawing/2010/main" w="9525">
+              <a14:hiddenLine xmlns:a14="http://schemas.microsoft.com/office/drawing/2010/main" xmlns="" w="9525">
                 <a:solidFill>
                   <a:schemeClr val="tx1"/>
                 </a:solidFill>
@@ -1771,7 +1771,7 @@
               </a14:hiddenLine>
             </a:ext>
             <a:ext uri="{AF507438-7753-43e0-B8FC-AC1667EBCBE1}">
-              <a14:hiddenEffects xmlns="" xmlns:a14="http://schemas.microsoft.com/office/drawing/2010/main">
+              <a14:hiddenEffects xmlns:a14="http://schemas.microsoft.com/office/drawing/2010/main" xmlns="">
                 <a:effectLst>
                   <a:outerShdw blurRad="63500" dist="38099" dir="2700000" algn="ctr" rotWithShape="0">
                     <a:schemeClr val="bg2">
@@ -1782,7 +1782,7 @@
               </a14:hiddenEffects>
             </a:ext>
             <a:ext uri="{FAA26D3D-D897-4be2-8F04-BA451C77F1D7}">
-              <ma14:placeholderFlag xmlns="" xmlns:ma14="http://schemas.microsoft.com/office/mac/drawingml/2011/main" val="1"/>
+              <ma14:placeholderFlag xmlns:ma14="http://schemas.microsoft.com/office/mac/drawingml/2011/main" xmlns="" val="1"/>
             </a:ext>
           </a:extLst>
         </p:spPr>
@@ -1827,14 +1827,14 @@
           <a:effectLst/>
           <a:extLst>
             <a:ext uri="{909E8E84-426E-40dd-AFC4-6F175D3DCCD1}">
-              <a14:hiddenFill xmlns="" xmlns:a14="http://schemas.microsoft.com/office/drawing/2010/main">
+              <a14:hiddenFill xmlns:a14="http://schemas.microsoft.com/office/drawing/2010/main" xmlns="">
                 <a:solidFill>
                   <a:schemeClr val="accent1"/>
                 </a:solidFill>
               </a14:hiddenFill>
             </a:ext>
             <a:ext uri="{91240B29-F687-4f45-9708-019B960494DF}">
-              <a14:hiddenLine xmlns="" xmlns:a14="http://schemas.microsoft.com/office/drawing/2010/main" w="9525">
+              <a14:hiddenLine xmlns:a14="http://schemas.microsoft.com/office/drawing/2010/main" xmlns="" w="9525">
                 <a:solidFill>
                   <a:schemeClr val="tx1"/>
                 </a:solidFill>
@@ -1844,7 +1844,7 @@
               </a14:hiddenLine>
             </a:ext>
             <a:ext uri="{AF507438-7753-43e0-B8FC-AC1667EBCBE1}">
-              <a14:hiddenEffects xmlns="" xmlns:a14="http://schemas.microsoft.com/office/drawing/2010/main">
+              <a14:hiddenEffects xmlns:a14="http://schemas.microsoft.com/office/drawing/2010/main" xmlns="">
                 <a:effectLst>
                   <a:outerShdw blurRad="63500" dist="38099" dir="2700000" algn="ctr" rotWithShape="0">
                     <a:schemeClr val="bg2">
@@ -1855,7 +1855,7 @@
               </a14:hiddenEffects>
             </a:ext>
             <a:ext uri="{FAA26D3D-D897-4be2-8F04-BA451C77F1D7}">
-              <ma14:placeholderFlag xmlns="" xmlns:ma14="http://schemas.microsoft.com/office/mac/drawingml/2011/main" val="1"/>
+              <ma14:placeholderFlag xmlns:ma14="http://schemas.microsoft.com/office/mac/drawingml/2011/main" xmlns="" val="1"/>
             </a:ext>
           </a:extLst>
         </p:spPr>
@@ -1941,14 +1941,14 @@
           <a:effectLst/>
           <a:extLst>
             <a:ext uri="{909E8E84-426E-40dd-AFC4-6F175D3DCCD1}">
-              <a14:hiddenFill xmlns="" xmlns:a14="http://schemas.microsoft.com/office/drawing/2010/main">
+              <a14:hiddenFill xmlns:a14="http://schemas.microsoft.com/office/drawing/2010/main" xmlns="">
                 <a:solidFill>
                   <a:schemeClr val="accent1"/>
                 </a:solidFill>
               </a14:hiddenFill>
             </a:ext>
             <a:ext uri="{91240B29-F687-4f45-9708-019B960494DF}">
-              <a14:hiddenLine xmlns="" xmlns:a14="http://schemas.microsoft.com/office/drawing/2010/main" w="9525">
+              <a14:hiddenLine xmlns:a14="http://schemas.microsoft.com/office/drawing/2010/main" xmlns="" w="9525">
                 <a:solidFill>
                   <a:schemeClr val="tx1"/>
                 </a:solidFill>
@@ -1958,7 +1958,7 @@
               </a14:hiddenLine>
             </a:ext>
             <a:ext uri="{AF507438-7753-43e0-B8FC-AC1667EBCBE1}">
-              <a14:hiddenEffects xmlns="" xmlns:a14="http://schemas.microsoft.com/office/drawing/2010/main">
+              <a14:hiddenEffects xmlns:a14="http://schemas.microsoft.com/office/drawing/2010/main" xmlns="">
                 <a:effectLst>
                   <a:outerShdw blurRad="63500" dist="38099" dir="2700000" algn="ctr" rotWithShape="0">
                     <a:schemeClr val="bg2">
@@ -1969,7 +1969,7 @@
               </a14:hiddenEffects>
             </a:ext>
             <a:ext uri="{FAA26D3D-D897-4be2-8F04-BA451C77F1D7}">
-              <ma14:placeholderFlag xmlns="" xmlns:ma14="http://schemas.microsoft.com/office/mac/drawingml/2011/main" val="1"/>
+              <ma14:placeholderFlag xmlns:ma14="http://schemas.microsoft.com/office/mac/drawingml/2011/main" xmlns="" val="1"/>
             </a:ext>
           </a:extLst>
         </p:spPr>
@@ -2014,14 +2014,14 @@
           <a:effectLst/>
           <a:extLst>
             <a:ext uri="{909E8E84-426E-40dd-AFC4-6F175D3DCCD1}">
-              <a14:hiddenFill xmlns="" xmlns:a14="http://schemas.microsoft.com/office/drawing/2010/main">
+              <a14:hiddenFill xmlns:a14="http://schemas.microsoft.com/office/drawing/2010/main" xmlns="">
                 <a:solidFill>
                   <a:schemeClr val="accent1"/>
                 </a:solidFill>
               </a14:hiddenFill>
             </a:ext>
             <a:ext uri="{91240B29-F687-4f45-9708-019B960494DF}">
-              <a14:hiddenLine xmlns="" xmlns:a14="http://schemas.microsoft.com/office/drawing/2010/main" w="9525">
+              <a14:hiddenLine xmlns:a14="http://schemas.microsoft.com/office/drawing/2010/main" xmlns="" w="9525">
                 <a:solidFill>
                   <a:schemeClr val="tx1"/>
                 </a:solidFill>
@@ -2031,7 +2031,7 @@
               </a14:hiddenLine>
             </a:ext>
             <a:ext uri="{AF507438-7753-43e0-B8FC-AC1667EBCBE1}">
-              <a14:hiddenEffects xmlns="" xmlns:a14="http://schemas.microsoft.com/office/drawing/2010/main">
+              <a14:hiddenEffects xmlns:a14="http://schemas.microsoft.com/office/drawing/2010/main" xmlns="">
                 <a:effectLst>
                   <a:outerShdw blurRad="63500" dist="38099" dir="2700000" algn="ctr" rotWithShape="0">
                     <a:schemeClr val="bg2">
@@ -2042,7 +2042,7 @@
               </a14:hiddenEffects>
             </a:ext>
             <a:ext uri="{FAA26D3D-D897-4be2-8F04-BA451C77F1D7}">
-              <ma14:placeholderFlag xmlns="" xmlns:ma14="http://schemas.microsoft.com/office/mac/drawingml/2011/main" val="1"/>
+              <ma14:placeholderFlag xmlns:ma14="http://schemas.microsoft.com/office/mac/drawingml/2011/main" xmlns="" val="1"/>
             </a:ext>
           </a:extLst>
         </p:spPr>
@@ -2092,7 +2092,7 @@
           <a:effectLst/>
           <a:extLst>
             <a:ext uri="{AF507438-7753-43e0-B8FC-AC1667EBCBE1}">
-              <a14:hiddenEffects xmlns="" xmlns:a14="http://schemas.microsoft.com/office/drawing/2010/main">
+              <a14:hiddenEffects xmlns:a14="http://schemas.microsoft.com/office/drawing/2010/main" xmlns="">
                 <a:effectLst>
                   <a:outerShdw blurRad="63500" dist="38099" dir="2700000" algn="ctr" rotWithShape="0">
                     <a:srgbClr val="000000">
@@ -2103,7 +2103,7 @@
               </a14:hiddenEffects>
             </a:ext>
             <a:ext uri="{53640926-AAD7-44d8-BBD7-CCE9431645EC}">
-              <a14:shadowObscured xmlns="" xmlns:a14="http://schemas.microsoft.com/office/drawing/2010/main" val="1"/>
+              <a14:shadowObscured xmlns:a14="http://schemas.microsoft.com/office/drawing/2010/main" xmlns="" val="1"/>
             </a:ext>
           </a:extLst>
         </p:spPr>
@@ -2133,14 +2133,14 @@
           <a:effectLst/>
           <a:extLst>
             <a:ext uri="{909E8E84-426E-40dd-AFC4-6F175D3DCCD1}">
-              <a14:hiddenFill xmlns="" xmlns:a14="http://schemas.microsoft.com/office/drawing/2010/main">
+              <a14:hiddenFill xmlns:a14="http://schemas.microsoft.com/office/drawing/2010/main" xmlns="">
                 <a:solidFill>
                   <a:schemeClr val="accent1"/>
                 </a:solidFill>
               </a14:hiddenFill>
             </a:ext>
             <a:ext uri="{91240B29-F687-4f45-9708-019B960494DF}">
-              <a14:hiddenLine xmlns="" xmlns:a14="http://schemas.microsoft.com/office/drawing/2010/main" w="9525">
+              <a14:hiddenLine xmlns:a14="http://schemas.microsoft.com/office/drawing/2010/main" xmlns="" w="9525">
                 <a:solidFill>
                   <a:schemeClr val="tx1"/>
                 </a:solidFill>
@@ -2150,7 +2150,7 @@
               </a14:hiddenLine>
             </a:ext>
             <a:ext uri="{AF507438-7753-43e0-B8FC-AC1667EBCBE1}">
-              <a14:hiddenEffects xmlns="" xmlns:a14="http://schemas.microsoft.com/office/drawing/2010/main">
+              <a14:hiddenEffects xmlns:a14="http://schemas.microsoft.com/office/drawing/2010/main" xmlns="">
                 <a:effectLst>
                   <a:outerShdw blurRad="63500" dist="38099" dir="2700000" algn="ctr" rotWithShape="0">
                     <a:schemeClr val="bg2">
@@ -2161,7 +2161,7 @@
               </a14:hiddenEffects>
             </a:ext>
             <a:ext uri="{FAA26D3D-D897-4be2-8F04-BA451C77F1D7}">
-              <ma14:placeholderFlag xmlns="" xmlns:ma14="http://schemas.microsoft.com/office/mac/drawingml/2011/main" val="1"/>
+              <ma14:placeholderFlag xmlns:ma14="http://schemas.microsoft.com/office/mac/drawingml/2011/main" xmlns="" val="1"/>
             </a:ext>
           </a:extLst>
         </p:spPr>
@@ -2234,14 +2234,14 @@
           <a:effectLst/>
           <a:extLst>
             <a:ext uri="{909E8E84-426E-40dd-AFC4-6F175D3DCCD1}">
-              <a14:hiddenFill xmlns="" xmlns:a14="http://schemas.microsoft.com/office/drawing/2010/main">
+              <a14:hiddenFill xmlns:a14="http://schemas.microsoft.com/office/drawing/2010/main" xmlns="">
                 <a:solidFill>
                   <a:schemeClr val="accent1"/>
                 </a:solidFill>
               </a14:hiddenFill>
             </a:ext>
             <a:ext uri="{91240B29-F687-4f45-9708-019B960494DF}">
-              <a14:hiddenLine xmlns="" xmlns:a14="http://schemas.microsoft.com/office/drawing/2010/main" w="9525">
+              <a14:hiddenLine xmlns:a14="http://schemas.microsoft.com/office/drawing/2010/main" xmlns="" w="9525">
                 <a:solidFill>
                   <a:schemeClr val="tx1"/>
                 </a:solidFill>
@@ -2251,7 +2251,7 @@
               </a14:hiddenLine>
             </a:ext>
             <a:ext uri="{AF507438-7753-43e0-B8FC-AC1667EBCBE1}">
-              <a14:hiddenEffects xmlns="" xmlns:a14="http://schemas.microsoft.com/office/drawing/2010/main">
+              <a14:hiddenEffects xmlns:a14="http://schemas.microsoft.com/office/drawing/2010/main" xmlns="">
                 <a:effectLst>
                   <a:outerShdw blurRad="63500" dist="38099" dir="2700000" algn="ctr" rotWithShape="0">
                     <a:schemeClr val="bg2">
@@ -2262,7 +2262,7 @@
               </a14:hiddenEffects>
             </a:ext>
             <a:ext uri="{FAA26D3D-D897-4be2-8F04-BA451C77F1D7}">
-              <ma14:placeholderFlag xmlns="" xmlns:ma14="http://schemas.microsoft.com/office/mac/drawingml/2011/main" val="1"/>
+              <ma14:placeholderFlag xmlns:ma14="http://schemas.microsoft.com/office/mac/drawingml/2011/main" xmlns="" val="1"/>
             </a:ext>
           </a:extLst>
         </p:spPr>
@@ -2307,14 +2307,14 @@
           <a:effectLst/>
           <a:extLst>
             <a:ext uri="{909E8E84-426E-40dd-AFC4-6F175D3DCCD1}">
-              <a14:hiddenFill xmlns="" xmlns:a14="http://schemas.microsoft.com/office/drawing/2010/main">
+              <a14:hiddenFill xmlns:a14="http://schemas.microsoft.com/office/drawing/2010/main" xmlns="">
                 <a:solidFill>
                   <a:schemeClr val="accent1"/>
                 </a:solidFill>
               </a14:hiddenFill>
             </a:ext>
             <a:ext uri="{91240B29-F687-4f45-9708-019B960494DF}">
-              <a14:hiddenLine xmlns="" xmlns:a14="http://schemas.microsoft.com/office/drawing/2010/main" w="9525">
+              <a14:hiddenLine xmlns:a14="http://schemas.microsoft.com/office/drawing/2010/main" xmlns="" w="9525">
                 <a:solidFill>
                   <a:schemeClr val="tx1"/>
                 </a:solidFill>
@@ -2324,7 +2324,7 @@
               </a14:hiddenLine>
             </a:ext>
             <a:ext uri="{AF507438-7753-43e0-B8FC-AC1667EBCBE1}">
-              <a14:hiddenEffects xmlns="" xmlns:a14="http://schemas.microsoft.com/office/drawing/2010/main">
+              <a14:hiddenEffects xmlns:a14="http://schemas.microsoft.com/office/drawing/2010/main" xmlns="">
                 <a:effectLst>
                   <a:outerShdw blurRad="63500" dist="38099" dir="2700000" algn="ctr" rotWithShape="0">
                     <a:schemeClr val="bg2">
@@ -2335,7 +2335,7 @@
               </a14:hiddenEffects>
             </a:ext>
             <a:ext uri="{FAA26D3D-D897-4be2-8F04-BA451C77F1D7}">
-              <ma14:placeholderFlag xmlns="" xmlns:ma14="http://schemas.microsoft.com/office/mac/drawingml/2011/main" val="1"/>
+              <ma14:placeholderFlag xmlns:ma14="http://schemas.microsoft.com/office/mac/drawingml/2011/main" xmlns="" val="1"/>
             </a:ext>
           </a:extLst>
         </p:spPr>
@@ -2624,7 +2624,7 @@
           <a:p>
             <a:fld id="{C764DE79-268F-4C1A-8933-263129D2AF90}" type="datetimeFigureOut">
               <a:rPr lang="en-US" smtClean="0"/>
-              <a:t>8/29/2024</a:t>
+              <a:t>9/28/2024</a:t>
             </a:fld>
             <a:endParaRPr lang="en-US" dirty="0"/>
           </a:p>
@@ -2794,7 +2794,7 @@
           <a:p>
             <a:fld id="{C764DE79-268F-4C1A-8933-263129D2AF90}" type="datetimeFigureOut">
               <a:rPr lang="en-US" smtClean="0"/>
-              <a:t>8/29/2024</a:t>
+              <a:t>9/28/2024</a:t>
             </a:fld>
             <a:endParaRPr lang="en-US" dirty="0"/>
           </a:p>
@@ -2974,7 +2974,7 @@
           <a:p>
             <a:fld id="{C764DE79-268F-4C1A-8933-263129D2AF90}" type="datetimeFigureOut">
               <a:rPr lang="en-US" smtClean="0"/>
-              <a:t>8/29/2024</a:t>
+              <a:t>9/28/2024</a:t>
             </a:fld>
             <a:endParaRPr lang="en-US" dirty="0"/>
           </a:p>
@@ -3144,7 +3144,7 @@
           <a:p>
             <a:fld id="{C764DE79-268F-4C1A-8933-263129D2AF90}" type="datetimeFigureOut">
               <a:rPr lang="en-US" smtClean="0"/>
-              <a:t>8/29/2024</a:t>
+              <a:t>9/28/2024</a:t>
             </a:fld>
             <a:endParaRPr lang="en-US" dirty="0"/>
           </a:p>
@@ -3388,7 +3388,7 @@
           <a:p>
             <a:fld id="{C764DE79-268F-4C1A-8933-263129D2AF90}" type="datetimeFigureOut">
               <a:rPr lang="en-US" smtClean="0"/>
-              <a:t>8/29/2024</a:t>
+              <a:t>9/28/2024</a:t>
             </a:fld>
             <a:endParaRPr lang="en-US" dirty="0"/>
           </a:p>
@@ -3621,7 +3621,7 @@
           <a:p>
             <a:fld id="{C764DE79-268F-4C1A-8933-263129D2AF90}" type="datetimeFigureOut">
               <a:rPr lang="en-US" smtClean="0"/>
-              <a:t>8/29/2024</a:t>
+              <a:t>9/28/2024</a:t>
             </a:fld>
             <a:endParaRPr lang="en-US" dirty="0"/>
           </a:p>
@@ -3988,7 +3988,7 @@
           <a:p>
             <a:fld id="{C764DE79-268F-4C1A-8933-263129D2AF90}" type="datetimeFigureOut">
               <a:rPr lang="en-US" smtClean="0"/>
-              <a:t>8/29/2024</a:t>
+              <a:t>9/28/2024</a:t>
             </a:fld>
             <a:endParaRPr lang="en-US" dirty="0"/>
           </a:p>
@@ -4106,7 +4106,7 @@
           <a:p>
             <a:fld id="{C764DE79-268F-4C1A-8933-263129D2AF90}" type="datetimeFigureOut">
               <a:rPr lang="en-US" smtClean="0"/>
-              <a:t>8/29/2024</a:t>
+              <a:t>9/28/2024</a:t>
             </a:fld>
             <a:endParaRPr lang="en-US" dirty="0"/>
           </a:p>
@@ -4635,7 +4635,7 @@
           <a:p>
             <a:fld id="{C764DE79-268F-4C1A-8933-263129D2AF90}" type="datetimeFigureOut">
               <a:rPr lang="en-US" smtClean="0"/>
-              <a:t>8/29/2024</a:t>
+              <a:t>9/28/2024</a:t>
             </a:fld>
             <a:endParaRPr lang="en-US" dirty="0"/>
           </a:p>
@@ -4892,7 +4892,7 @@
           <a:p>
             <a:fld id="{C764DE79-268F-4C1A-8933-263129D2AF90}" type="datetimeFigureOut">
               <a:rPr lang="en-US" smtClean="0"/>
-              <a:t>8/29/2024</a:t>
+              <a:t>9/28/2024</a:t>
             </a:fld>
             <a:endParaRPr lang="en-US" dirty="0"/>
           </a:p>
@@ -5167,7 +5167,7 @@
           <a:p>
             <a:fld id="{C764DE79-268F-4C1A-8933-263129D2AF90}" type="datetimeFigureOut">
               <a:rPr lang="en-US" smtClean="0"/>
-              <a:t>8/29/2024</a:t>
+              <a:t>9/28/2024</a:t>
             </a:fld>
             <a:endParaRPr lang="en-US" dirty="0"/>
           </a:p>
@@ -11340,6 +11340,58 @@
           </a:p>
         </p:txBody>
       </p:sp>
+      <p:cxnSp>
+        <p:nvCxnSpPr>
+          <p:cNvPr id="2" name="Connecteur : en angle 1">
+            <a:extLst>
+              <a:ext uri="{FF2B5EF4-FFF2-40B4-BE49-F238E27FC236}">
+                <a16:creationId xmlns:a16="http://schemas.microsoft.com/office/drawing/2014/main" id="{10D0580D-3F92-03DE-00E4-56B23D55CDE9}"/>
+              </a:ext>
+            </a:extLst>
+          </p:cNvPr>
+          <p:cNvCxnSpPr>
+            <a:cxnSpLocks/>
+            <a:stCxn id="79" idx="3"/>
+            <a:endCxn id="133" idx="1"/>
+          </p:cNvCxnSpPr>
+          <p:nvPr/>
+        </p:nvCxnSpPr>
+        <p:spPr>
+          <a:xfrm flipV="1">
+            <a:off x="3046770" y="5909170"/>
+            <a:ext cx="616446" cy="242084"/>
+          </a:xfrm>
+          <a:prstGeom prst="bentConnector3">
+            <a:avLst>
+              <a:gd name="adj1" fmla="val 50000"/>
+            </a:avLst>
+          </a:prstGeom>
+          <a:ln>
+            <a:tailEnd type="triangle"/>
+          </a:ln>
+          <a:effectLst>
+            <a:outerShdw blurRad="50800" dist="38100" dir="2700000" algn="tl" rotWithShape="0">
+              <a:prstClr val="black">
+                <a:alpha val="40000"/>
+              </a:prstClr>
+            </a:outerShdw>
+          </a:effectLst>
+        </p:spPr>
+        <p:style>
+          <a:lnRef idx="3">
+            <a:schemeClr val="accent1"/>
+          </a:lnRef>
+          <a:fillRef idx="0">
+            <a:schemeClr val="accent1"/>
+          </a:fillRef>
+          <a:effectRef idx="2">
+            <a:schemeClr val="accent1"/>
+          </a:effectRef>
+          <a:fontRef idx="minor">
+            <a:schemeClr val="tx1"/>
+          </a:fontRef>
+        </p:style>
+      </p:cxnSp>
     </p:spTree>
     <p:extLst>
       <p:ext uri="{BB962C8B-B14F-4D97-AF65-F5344CB8AC3E}">
@@ -11459,7 +11511,7 @@
         </p:nvSpPr>
         <p:spPr>
           <a:xfrm>
-            <a:off x="1242645" y="7837514"/>
+            <a:off x="1276380" y="7837514"/>
             <a:ext cx="5573667" cy="1902203"/>
           </a:xfrm>
           <a:prstGeom prst="rect">
@@ -11607,7 +11659,7 @@
         </p:blipFill>
         <p:spPr>
           <a:xfrm>
-            <a:off x="1052736" y="5344850"/>
+            <a:off x="1080132" y="5344850"/>
             <a:ext cx="5661236" cy="2272446"/>
           </a:xfrm>
           <a:prstGeom prst="rect">
@@ -11629,8 +11681,8 @@
         </p:nvSpPr>
         <p:spPr>
           <a:xfrm>
-            <a:off x="44624" y="6252594"/>
-            <a:ext cx="1495922" cy="369332"/>
+            <a:off x="-38102" y="6100364"/>
+            <a:ext cx="1844826" cy="646331"/>
           </a:xfrm>
           <a:prstGeom prst="rect">
             <a:avLst/>
@@ -11638,14 +11690,14 @@
           <a:noFill/>
         </p:spPr>
         <p:txBody>
-          <a:bodyPr wrap="none" rtlCol="0">
+          <a:bodyPr wrap="square" rtlCol="0">
             <a:spAutoFit/>
           </a:bodyPr>
           <a:lstStyle/>
           <a:p>
             <a:r>
               <a:rPr lang="fr-FR" dirty="0"/>
-              <a:t>Boucle </a:t>
+              <a:t>Boucle non bornée - </a:t>
             </a:r>
             <a:r>
               <a:rPr lang="fr-FR" dirty="0" err="1"/>
@@ -11988,7 +12040,14 @@
             </a:pPr>
             <a:r>
               <a:rPr lang="fr-FR" sz="1000" dirty="0"/>
-              <a:t>Les égalités / inégalités mathématiques forment des expressions booléennes : ( ==, !=, &lt;, &gt;, &lt;=, &gt;= ) </a:t>
+              <a:t>Les égalités / inégalités mathématiques forment des expressions booléennes : </a:t>
+            </a:r>
+            <a:br>
+              <a:rPr lang="fr-FR" sz="1000" dirty="0"/>
+            </a:br>
+            <a:r>
+              <a:rPr lang="fr-FR" sz="1000" dirty="0"/>
+              <a:t>( ==, !=, &lt;, &gt;, &lt;=, &gt;= ) </a:t>
             </a:r>
           </a:p>
         </p:txBody>
@@ -12553,8 +12612,8 @@
         </p:nvSpPr>
         <p:spPr>
           <a:xfrm>
-            <a:off x="40973" y="8784421"/>
-            <a:ext cx="1255408" cy="369332"/>
+            <a:off x="0" y="8734290"/>
+            <a:ext cx="1440880" cy="584775"/>
           </a:xfrm>
           <a:prstGeom prst="rect">
             <a:avLst/>
@@ -12562,14 +12621,21 @@
           <a:noFill/>
         </p:spPr>
         <p:txBody>
-          <a:bodyPr wrap="none" rtlCol="0">
+          <a:bodyPr wrap="square" rtlCol="0">
             <a:spAutoFit/>
           </a:bodyPr>
           <a:lstStyle/>
           <a:p>
             <a:r>
-              <a:rPr lang="fr-FR" dirty="0"/>
-              <a:t>Boucle for :</a:t>
+              <a:rPr lang="fr-FR" sz="1600" dirty="0"/>
+              <a:t>Boucle </a:t>
+            </a:r>
+            <a:br>
+              <a:rPr lang="fr-FR" sz="1600" dirty="0"/>
+            </a:br>
+            <a:r>
+              <a:rPr lang="fr-FR" sz="1600" dirty="0"/>
+              <a:t>bornée - for :</a:t>
             </a:r>
           </a:p>
         </p:txBody>
@@ -12626,7 +12692,7 @@
         </p:blipFill>
         <p:spPr>
           <a:xfrm>
-            <a:off x="695395" y="7905328"/>
+            <a:off x="692696" y="7925140"/>
             <a:ext cx="6117981" cy="1830195"/>
           </a:xfrm>
           <a:prstGeom prst="rect">

--- a/01_python/cours/Memo Python V1.pptx
+++ b/01_python/cours/Memo Python V1.pptx
@@ -1608,14 +1608,14 @@
           <a:effectLst/>
           <a:extLst>
             <a:ext uri="{909E8E84-426E-40dd-AFC4-6F175D3DCCD1}">
-              <a14:hiddenFill xmlns:a14="http://schemas.microsoft.com/office/drawing/2010/main" xmlns="">
+              <a14:hiddenFill xmlns="" xmlns:a14="http://schemas.microsoft.com/office/drawing/2010/main">
                 <a:solidFill>
                   <a:schemeClr val="accent1"/>
                 </a:solidFill>
               </a14:hiddenFill>
             </a:ext>
             <a:ext uri="{91240B29-F687-4f45-9708-019B960494DF}">
-              <a14:hiddenLine xmlns:a14="http://schemas.microsoft.com/office/drawing/2010/main" xmlns="" w="9525">
+              <a14:hiddenLine xmlns="" xmlns:a14="http://schemas.microsoft.com/office/drawing/2010/main" w="9525">
                 <a:solidFill>
                   <a:schemeClr val="tx1"/>
                 </a:solidFill>
@@ -1625,7 +1625,7 @@
               </a14:hiddenLine>
             </a:ext>
             <a:ext uri="{AF507438-7753-43e0-B8FC-AC1667EBCBE1}">
-              <a14:hiddenEffects xmlns:a14="http://schemas.microsoft.com/office/drawing/2010/main" xmlns="">
+              <a14:hiddenEffects xmlns="" xmlns:a14="http://schemas.microsoft.com/office/drawing/2010/main">
                 <a:effectLst>
                   <a:outerShdw blurRad="63500" dist="38099" dir="2700000" algn="ctr" rotWithShape="0">
                     <a:schemeClr val="bg2">
@@ -1636,7 +1636,7 @@
               </a14:hiddenEffects>
             </a:ext>
             <a:ext uri="{FAA26D3D-D897-4be2-8F04-BA451C77F1D7}">
-              <ma14:placeholderFlag xmlns:ma14="http://schemas.microsoft.com/office/mac/drawingml/2011/main" xmlns="" val="1"/>
+              <ma14:placeholderFlag xmlns="" xmlns:ma14="http://schemas.microsoft.com/office/mac/drawingml/2011/main" val="1"/>
             </a:ext>
           </a:extLst>
         </p:spPr>
@@ -1681,14 +1681,14 @@
           <a:effectLst/>
           <a:extLst>
             <a:ext uri="{909E8E84-426E-40dd-AFC4-6F175D3DCCD1}">
-              <a14:hiddenFill xmlns:a14="http://schemas.microsoft.com/office/drawing/2010/main" xmlns="">
+              <a14:hiddenFill xmlns="" xmlns:a14="http://schemas.microsoft.com/office/drawing/2010/main">
                 <a:solidFill>
                   <a:schemeClr val="accent1"/>
                 </a:solidFill>
               </a14:hiddenFill>
             </a:ext>
             <a:ext uri="{91240B29-F687-4f45-9708-019B960494DF}">
-              <a14:hiddenLine xmlns:a14="http://schemas.microsoft.com/office/drawing/2010/main" xmlns="" w="9525">
+              <a14:hiddenLine xmlns="" xmlns:a14="http://schemas.microsoft.com/office/drawing/2010/main" w="9525">
                 <a:solidFill>
                   <a:schemeClr val="tx1"/>
                 </a:solidFill>
@@ -1698,7 +1698,7 @@
               </a14:hiddenLine>
             </a:ext>
             <a:ext uri="{AF507438-7753-43e0-B8FC-AC1667EBCBE1}">
-              <a14:hiddenEffects xmlns:a14="http://schemas.microsoft.com/office/drawing/2010/main" xmlns="">
+              <a14:hiddenEffects xmlns="" xmlns:a14="http://schemas.microsoft.com/office/drawing/2010/main">
                 <a:effectLst>
                   <a:outerShdw blurRad="63500" dist="38099" dir="2700000" algn="ctr" rotWithShape="0">
                     <a:schemeClr val="bg2">
@@ -1709,7 +1709,7 @@
               </a14:hiddenEffects>
             </a:ext>
             <a:ext uri="{FAA26D3D-D897-4be2-8F04-BA451C77F1D7}">
-              <ma14:placeholderFlag xmlns:ma14="http://schemas.microsoft.com/office/mac/drawingml/2011/main" xmlns="" val="1"/>
+              <ma14:placeholderFlag xmlns="" xmlns:ma14="http://schemas.microsoft.com/office/mac/drawingml/2011/main" val="1"/>
             </a:ext>
           </a:extLst>
         </p:spPr>
@@ -1754,14 +1754,14 @@
           <a:effectLst/>
           <a:extLst>
             <a:ext uri="{909E8E84-426E-40dd-AFC4-6F175D3DCCD1}">
-              <a14:hiddenFill xmlns:a14="http://schemas.microsoft.com/office/drawing/2010/main" xmlns="">
+              <a14:hiddenFill xmlns="" xmlns:a14="http://schemas.microsoft.com/office/drawing/2010/main">
                 <a:solidFill>
                   <a:schemeClr val="accent1"/>
                 </a:solidFill>
               </a14:hiddenFill>
             </a:ext>
             <a:ext uri="{91240B29-F687-4f45-9708-019B960494DF}">
-              <a14:hiddenLine xmlns:a14="http://schemas.microsoft.com/office/drawing/2010/main" xmlns="" w="9525">
+              <a14:hiddenLine xmlns="" xmlns:a14="http://schemas.microsoft.com/office/drawing/2010/main" w="9525">
                 <a:solidFill>
                   <a:schemeClr val="tx1"/>
                 </a:solidFill>
@@ -1771,7 +1771,7 @@
               </a14:hiddenLine>
             </a:ext>
             <a:ext uri="{AF507438-7753-43e0-B8FC-AC1667EBCBE1}">
-              <a14:hiddenEffects xmlns:a14="http://schemas.microsoft.com/office/drawing/2010/main" xmlns="">
+              <a14:hiddenEffects xmlns="" xmlns:a14="http://schemas.microsoft.com/office/drawing/2010/main">
                 <a:effectLst>
                   <a:outerShdw blurRad="63500" dist="38099" dir="2700000" algn="ctr" rotWithShape="0">
                     <a:schemeClr val="bg2">
@@ -1782,7 +1782,7 @@
               </a14:hiddenEffects>
             </a:ext>
             <a:ext uri="{FAA26D3D-D897-4be2-8F04-BA451C77F1D7}">
-              <ma14:placeholderFlag xmlns:ma14="http://schemas.microsoft.com/office/mac/drawingml/2011/main" xmlns="" val="1"/>
+              <ma14:placeholderFlag xmlns="" xmlns:ma14="http://schemas.microsoft.com/office/mac/drawingml/2011/main" val="1"/>
             </a:ext>
           </a:extLst>
         </p:spPr>
@@ -1827,14 +1827,14 @@
           <a:effectLst/>
           <a:extLst>
             <a:ext uri="{909E8E84-426E-40dd-AFC4-6F175D3DCCD1}">
-              <a14:hiddenFill xmlns:a14="http://schemas.microsoft.com/office/drawing/2010/main" xmlns="">
+              <a14:hiddenFill xmlns="" xmlns:a14="http://schemas.microsoft.com/office/drawing/2010/main">
                 <a:solidFill>
                   <a:schemeClr val="accent1"/>
                 </a:solidFill>
               </a14:hiddenFill>
             </a:ext>
             <a:ext uri="{91240B29-F687-4f45-9708-019B960494DF}">
-              <a14:hiddenLine xmlns:a14="http://schemas.microsoft.com/office/drawing/2010/main" xmlns="" w="9525">
+              <a14:hiddenLine xmlns="" xmlns:a14="http://schemas.microsoft.com/office/drawing/2010/main" w="9525">
                 <a:solidFill>
                   <a:schemeClr val="tx1"/>
                 </a:solidFill>
@@ -1844,7 +1844,7 @@
               </a14:hiddenLine>
             </a:ext>
             <a:ext uri="{AF507438-7753-43e0-B8FC-AC1667EBCBE1}">
-              <a14:hiddenEffects xmlns:a14="http://schemas.microsoft.com/office/drawing/2010/main" xmlns="">
+              <a14:hiddenEffects xmlns="" xmlns:a14="http://schemas.microsoft.com/office/drawing/2010/main">
                 <a:effectLst>
                   <a:outerShdw blurRad="63500" dist="38099" dir="2700000" algn="ctr" rotWithShape="0">
                     <a:schemeClr val="bg2">
@@ -1855,7 +1855,7 @@
               </a14:hiddenEffects>
             </a:ext>
             <a:ext uri="{FAA26D3D-D897-4be2-8F04-BA451C77F1D7}">
-              <ma14:placeholderFlag xmlns:ma14="http://schemas.microsoft.com/office/mac/drawingml/2011/main" xmlns="" val="1"/>
+              <ma14:placeholderFlag xmlns="" xmlns:ma14="http://schemas.microsoft.com/office/mac/drawingml/2011/main" val="1"/>
             </a:ext>
           </a:extLst>
         </p:spPr>
@@ -1941,14 +1941,14 @@
           <a:effectLst/>
           <a:extLst>
             <a:ext uri="{909E8E84-426E-40dd-AFC4-6F175D3DCCD1}">
-              <a14:hiddenFill xmlns:a14="http://schemas.microsoft.com/office/drawing/2010/main" xmlns="">
+              <a14:hiddenFill xmlns="" xmlns:a14="http://schemas.microsoft.com/office/drawing/2010/main">
                 <a:solidFill>
                   <a:schemeClr val="accent1"/>
                 </a:solidFill>
               </a14:hiddenFill>
             </a:ext>
             <a:ext uri="{91240B29-F687-4f45-9708-019B960494DF}">
-              <a14:hiddenLine xmlns:a14="http://schemas.microsoft.com/office/drawing/2010/main" xmlns="" w="9525">
+              <a14:hiddenLine xmlns="" xmlns:a14="http://schemas.microsoft.com/office/drawing/2010/main" w="9525">
                 <a:solidFill>
                   <a:schemeClr val="tx1"/>
                 </a:solidFill>
@@ -1958,7 +1958,7 @@
               </a14:hiddenLine>
             </a:ext>
             <a:ext uri="{AF507438-7753-43e0-B8FC-AC1667EBCBE1}">
-              <a14:hiddenEffects xmlns:a14="http://schemas.microsoft.com/office/drawing/2010/main" xmlns="">
+              <a14:hiddenEffects xmlns="" xmlns:a14="http://schemas.microsoft.com/office/drawing/2010/main">
                 <a:effectLst>
                   <a:outerShdw blurRad="63500" dist="38099" dir="2700000" algn="ctr" rotWithShape="0">
                     <a:schemeClr val="bg2">
@@ -1969,7 +1969,7 @@
               </a14:hiddenEffects>
             </a:ext>
             <a:ext uri="{FAA26D3D-D897-4be2-8F04-BA451C77F1D7}">
-              <ma14:placeholderFlag xmlns:ma14="http://schemas.microsoft.com/office/mac/drawingml/2011/main" xmlns="" val="1"/>
+              <ma14:placeholderFlag xmlns="" xmlns:ma14="http://schemas.microsoft.com/office/mac/drawingml/2011/main" val="1"/>
             </a:ext>
           </a:extLst>
         </p:spPr>
@@ -2014,14 +2014,14 @@
           <a:effectLst/>
           <a:extLst>
             <a:ext uri="{909E8E84-426E-40dd-AFC4-6F175D3DCCD1}">
-              <a14:hiddenFill xmlns:a14="http://schemas.microsoft.com/office/drawing/2010/main" xmlns="">
+              <a14:hiddenFill xmlns="" xmlns:a14="http://schemas.microsoft.com/office/drawing/2010/main">
                 <a:solidFill>
                   <a:schemeClr val="accent1"/>
                 </a:solidFill>
               </a14:hiddenFill>
             </a:ext>
             <a:ext uri="{91240B29-F687-4f45-9708-019B960494DF}">
-              <a14:hiddenLine xmlns:a14="http://schemas.microsoft.com/office/drawing/2010/main" xmlns="" w="9525">
+              <a14:hiddenLine xmlns="" xmlns:a14="http://schemas.microsoft.com/office/drawing/2010/main" w="9525">
                 <a:solidFill>
                   <a:schemeClr val="tx1"/>
                 </a:solidFill>
@@ -2031,7 +2031,7 @@
               </a14:hiddenLine>
             </a:ext>
             <a:ext uri="{AF507438-7753-43e0-B8FC-AC1667EBCBE1}">
-              <a14:hiddenEffects xmlns:a14="http://schemas.microsoft.com/office/drawing/2010/main" xmlns="">
+              <a14:hiddenEffects xmlns="" xmlns:a14="http://schemas.microsoft.com/office/drawing/2010/main">
                 <a:effectLst>
                   <a:outerShdw blurRad="63500" dist="38099" dir="2700000" algn="ctr" rotWithShape="0">
                     <a:schemeClr val="bg2">
@@ -2042,7 +2042,7 @@
               </a14:hiddenEffects>
             </a:ext>
             <a:ext uri="{FAA26D3D-D897-4be2-8F04-BA451C77F1D7}">
-              <ma14:placeholderFlag xmlns:ma14="http://schemas.microsoft.com/office/mac/drawingml/2011/main" xmlns="" val="1"/>
+              <ma14:placeholderFlag xmlns="" xmlns:ma14="http://schemas.microsoft.com/office/mac/drawingml/2011/main" val="1"/>
             </a:ext>
           </a:extLst>
         </p:spPr>
@@ -2092,7 +2092,7 @@
           <a:effectLst/>
           <a:extLst>
             <a:ext uri="{AF507438-7753-43e0-B8FC-AC1667EBCBE1}">
-              <a14:hiddenEffects xmlns:a14="http://schemas.microsoft.com/office/drawing/2010/main" xmlns="">
+              <a14:hiddenEffects xmlns="" xmlns:a14="http://schemas.microsoft.com/office/drawing/2010/main">
                 <a:effectLst>
                   <a:outerShdw blurRad="63500" dist="38099" dir="2700000" algn="ctr" rotWithShape="0">
                     <a:srgbClr val="000000">
@@ -2103,7 +2103,7 @@
               </a14:hiddenEffects>
             </a:ext>
             <a:ext uri="{53640926-AAD7-44d8-BBD7-CCE9431645EC}">
-              <a14:shadowObscured xmlns:a14="http://schemas.microsoft.com/office/drawing/2010/main" xmlns="" val="1"/>
+              <a14:shadowObscured xmlns="" xmlns:a14="http://schemas.microsoft.com/office/drawing/2010/main" val="1"/>
             </a:ext>
           </a:extLst>
         </p:spPr>
@@ -2133,14 +2133,14 @@
           <a:effectLst/>
           <a:extLst>
             <a:ext uri="{909E8E84-426E-40dd-AFC4-6F175D3DCCD1}">
-              <a14:hiddenFill xmlns:a14="http://schemas.microsoft.com/office/drawing/2010/main" xmlns="">
+              <a14:hiddenFill xmlns="" xmlns:a14="http://schemas.microsoft.com/office/drawing/2010/main">
                 <a:solidFill>
                   <a:schemeClr val="accent1"/>
                 </a:solidFill>
               </a14:hiddenFill>
             </a:ext>
             <a:ext uri="{91240B29-F687-4f45-9708-019B960494DF}">
-              <a14:hiddenLine xmlns:a14="http://schemas.microsoft.com/office/drawing/2010/main" xmlns="" w="9525">
+              <a14:hiddenLine xmlns="" xmlns:a14="http://schemas.microsoft.com/office/drawing/2010/main" w="9525">
                 <a:solidFill>
                   <a:schemeClr val="tx1"/>
                 </a:solidFill>
@@ -2150,7 +2150,7 @@
               </a14:hiddenLine>
             </a:ext>
             <a:ext uri="{AF507438-7753-43e0-B8FC-AC1667EBCBE1}">
-              <a14:hiddenEffects xmlns:a14="http://schemas.microsoft.com/office/drawing/2010/main" xmlns="">
+              <a14:hiddenEffects xmlns="" xmlns:a14="http://schemas.microsoft.com/office/drawing/2010/main">
                 <a:effectLst>
                   <a:outerShdw blurRad="63500" dist="38099" dir="2700000" algn="ctr" rotWithShape="0">
                     <a:schemeClr val="bg2">
@@ -2161,7 +2161,7 @@
               </a14:hiddenEffects>
             </a:ext>
             <a:ext uri="{FAA26D3D-D897-4be2-8F04-BA451C77F1D7}">
-              <ma14:placeholderFlag xmlns:ma14="http://schemas.microsoft.com/office/mac/drawingml/2011/main" xmlns="" val="1"/>
+              <ma14:placeholderFlag xmlns="" xmlns:ma14="http://schemas.microsoft.com/office/mac/drawingml/2011/main" val="1"/>
             </a:ext>
           </a:extLst>
         </p:spPr>
@@ -2234,14 +2234,14 @@
           <a:effectLst/>
           <a:extLst>
             <a:ext uri="{909E8E84-426E-40dd-AFC4-6F175D3DCCD1}">
-              <a14:hiddenFill xmlns:a14="http://schemas.microsoft.com/office/drawing/2010/main" xmlns="">
+              <a14:hiddenFill xmlns="" xmlns:a14="http://schemas.microsoft.com/office/drawing/2010/main">
                 <a:solidFill>
                   <a:schemeClr val="accent1"/>
                 </a:solidFill>
               </a14:hiddenFill>
             </a:ext>
             <a:ext uri="{91240B29-F687-4f45-9708-019B960494DF}">
-              <a14:hiddenLine xmlns:a14="http://schemas.microsoft.com/office/drawing/2010/main" xmlns="" w="9525">
+              <a14:hiddenLine xmlns="" xmlns:a14="http://schemas.microsoft.com/office/drawing/2010/main" w="9525">
                 <a:solidFill>
                   <a:schemeClr val="tx1"/>
                 </a:solidFill>
@@ -2251,7 +2251,7 @@
               </a14:hiddenLine>
             </a:ext>
             <a:ext uri="{AF507438-7753-43e0-B8FC-AC1667EBCBE1}">
-              <a14:hiddenEffects xmlns:a14="http://schemas.microsoft.com/office/drawing/2010/main" xmlns="">
+              <a14:hiddenEffects xmlns="" xmlns:a14="http://schemas.microsoft.com/office/drawing/2010/main">
                 <a:effectLst>
                   <a:outerShdw blurRad="63500" dist="38099" dir="2700000" algn="ctr" rotWithShape="0">
                     <a:schemeClr val="bg2">
@@ -2262,7 +2262,7 @@
               </a14:hiddenEffects>
             </a:ext>
             <a:ext uri="{FAA26D3D-D897-4be2-8F04-BA451C77F1D7}">
-              <ma14:placeholderFlag xmlns:ma14="http://schemas.microsoft.com/office/mac/drawingml/2011/main" xmlns="" val="1"/>
+              <ma14:placeholderFlag xmlns="" xmlns:ma14="http://schemas.microsoft.com/office/mac/drawingml/2011/main" val="1"/>
             </a:ext>
           </a:extLst>
         </p:spPr>
@@ -2307,14 +2307,14 @@
           <a:effectLst/>
           <a:extLst>
             <a:ext uri="{909E8E84-426E-40dd-AFC4-6F175D3DCCD1}">
-              <a14:hiddenFill xmlns:a14="http://schemas.microsoft.com/office/drawing/2010/main" xmlns="">
+              <a14:hiddenFill xmlns="" xmlns:a14="http://schemas.microsoft.com/office/drawing/2010/main">
                 <a:solidFill>
                   <a:schemeClr val="accent1"/>
                 </a:solidFill>
               </a14:hiddenFill>
             </a:ext>
             <a:ext uri="{91240B29-F687-4f45-9708-019B960494DF}">
-              <a14:hiddenLine xmlns:a14="http://schemas.microsoft.com/office/drawing/2010/main" xmlns="" w="9525">
+              <a14:hiddenLine xmlns="" xmlns:a14="http://schemas.microsoft.com/office/drawing/2010/main" w="9525">
                 <a:solidFill>
                   <a:schemeClr val="tx1"/>
                 </a:solidFill>
@@ -2324,7 +2324,7 @@
               </a14:hiddenLine>
             </a:ext>
             <a:ext uri="{AF507438-7753-43e0-B8FC-AC1667EBCBE1}">
-              <a14:hiddenEffects xmlns:a14="http://schemas.microsoft.com/office/drawing/2010/main" xmlns="">
+              <a14:hiddenEffects xmlns="" xmlns:a14="http://schemas.microsoft.com/office/drawing/2010/main">
                 <a:effectLst>
                   <a:outerShdw blurRad="63500" dist="38099" dir="2700000" algn="ctr" rotWithShape="0">
                     <a:schemeClr val="bg2">
@@ -2335,7 +2335,7 @@
               </a14:hiddenEffects>
             </a:ext>
             <a:ext uri="{FAA26D3D-D897-4be2-8F04-BA451C77F1D7}">
-              <ma14:placeholderFlag xmlns:ma14="http://schemas.microsoft.com/office/mac/drawingml/2011/main" xmlns="" val="1"/>
+              <ma14:placeholderFlag xmlns="" xmlns:ma14="http://schemas.microsoft.com/office/mac/drawingml/2011/main" val="1"/>
             </a:ext>
           </a:extLst>
         </p:spPr>
@@ -2624,7 +2624,7 @@
           <a:p>
             <a:fld id="{C764DE79-268F-4C1A-8933-263129D2AF90}" type="datetimeFigureOut">
               <a:rPr lang="en-US" smtClean="0"/>
-              <a:t>9/28/2024</a:t>
+              <a:t>10/9/2024</a:t>
             </a:fld>
             <a:endParaRPr lang="en-US" dirty="0"/>
           </a:p>
@@ -2794,7 +2794,7 @@
           <a:p>
             <a:fld id="{C764DE79-268F-4C1A-8933-263129D2AF90}" type="datetimeFigureOut">
               <a:rPr lang="en-US" smtClean="0"/>
-              <a:t>9/28/2024</a:t>
+              <a:t>10/9/2024</a:t>
             </a:fld>
             <a:endParaRPr lang="en-US" dirty="0"/>
           </a:p>
@@ -2974,7 +2974,7 @@
           <a:p>
             <a:fld id="{C764DE79-268F-4C1A-8933-263129D2AF90}" type="datetimeFigureOut">
               <a:rPr lang="en-US" smtClean="0"/>
-              <a:t>9/28/2024</a:t>
+              <a:t>10/9/2024</a:t>
             </a:fld>
             <a:endParaRPr lang="en-US" dirty="0"/>
           </a:p>
@@ -3144,7 +3144,7 @@
           <a:p>
             <a:fld id="{C764DE79-268F-4C1A-8933-263129D2AF90}" type="datetimeFigureOut">
               <a:rPr lang="en-US" smtClean="0"/>
-              <a:t>9/28/2024</a:t>
+              <a:t>10/9/2024</a:t>
             </a:fld>
             <a:endParaRPr lang="en-US" dirty="0"/>
           </a:p>
@@ -3388,7 +3388,7 @@
           <a:p>
             <a:fld id="{C764DE79-268F-4C1A-8933-263129D2AF90}" type="datetimeFigureOut">
               <a:rPr lang="en-US" smtClean="0"/>
-              <a:t>9/28/2024</a:t>
+              <a:t>10/9/2024</a:t>
             </a:fld>
             <a:endParaRPr lang="en-US" dirty="0"/>
           </a:p>
@@ -3621,7 +3621,7 @@
           <a:p>
             <a:fld id="{C764DE79-268F-4C1A-8933-263129D2AF90}" type="datetimeFigureOut">
               <a:rPr lang="en-US" smtClean="0"/>
-              <a:t>9/28/2024</a:t>
+              <a:t>10/9/2024</a:t>
             </a:fld>
             <a:endParaRPr lang="en-US" dirty="0"/>
           </a:p>
@@ -3988,7 +3988,7 @@
           <a:p>
             <a:fld id="{C764DE79-268F-4C1A-8933-263129D2AF90}" type="datetimeFigureOut">
               <a:rPr lang="en-US" smtClean="0"/>
-              <a:t>9/28/2024</a:t>
+              <a:t>10/9/2024</a:t>
             </a:fld>
             <a:endParaRPr lang="en-US" dirty="0"/>
           </a:p>
@@ -4106,7 +4106,7 @@
           <a:p>
             <a:fld id="{C764DE79-268F-4C1A-8933-263129D2AF90}" type="datetimeFigureOut">
               <a:rPr lang="en-US" smtClean="0"/>
-              <a:t>9/28/2024</a:t>
+              <a:t>10/9/2024</a:t>
             </a:fld>
             <a:endParaRPr lang="en-US" dirty="0"/>
           </a:p>
@@ -4635,7 +4635,7 @@
           <a:p>
             <a:fld id="{C764DE79-268F-4C1A-8933-263129D2AF90}" type="datetimeFigureOut">
               <a:rPr lang="en-US" smtClean="0"/>
-              <a:t>9/28/2024</a:t>
+              <a:t>10/9/2024</a:t>
             </a:fld>
             <a:endParaRPr lang="en-US" dirty="0"/>
           </a:p>
@@ -4892,7 +4892,7 @@
           <a:p>
             <a:fld id="{C764DE79-268F-4C1A-8933-263129D2AF90}" type="datetimeFigureOut">
               <a:rPr lang="en-US" smtClean="0"/>
-              <a:t>9/28/2024</a:t>
+              <a:t>10/9/2024</a:t>
             </a:fld>
             <a:endParaRPr lang="en-US" dirty="0"/>
           </a:p>
@@ -5167,7 +5167,7 @@
           <a:p>
             <a:fld id="{C764DE79-268F-4C1A-8933-263129D2AF90}" type="datetimeFigureOut">
               <a:rPr lang="en-US" smtClean="0"/>
-              <a:t>9/28/2024</a:t>
+              <a:t>10/9/2024</a:t>
             </a:fld>
             <a:endParaRPr lang="en-US" dirty="0"/>
           </a:p>
@@ -5573,6 +5573,63 @@
           <a:chExt cx="0" cy="0"/>
         </a:xfrm>
       </p:grpSpPr>
+      <p:sp>
+        <p:nvSpPr>
+          <p:cNvPr id="147" name="Rectangle 146">
+            <a:extLst>
+              <a:ext uri="{FF2B5EF4-FFF2-40B4-BE49-F238E27FC236}">
+                <a16:creationId xmlns:a16="http://schemas.microsoft.com/office/drawing/2014/main" id="{6C721270-71A8-986B-B3C2-DE2957241B29}"/>
+              </a:ext>
+            </a:extLst>
+          </p:cNvPr>
+          <p:cNvSpPr/>
+          <p:nvPr/>
+        </p:nvSpPr>
+        <p:spPr>
+          <a:xfrm>
+            <a:off x="548680" y="3779275"/>
+            <a:ext cx="2141144" cy="124962"/>
+          </a:xfrm>
+          <a:prstGeom prst="rect">
+            <a:avLst/>
+          </a:prstGeom>
+          <a:solidFill>
+            <a:schemeClr val="accent1">
+              <a:lumMod val="20000"/>
+              <a:lumOff val="80000"/>
+            </a:schemeClr>
+          </a:solidFill>
+          <a:ln>
+            <a:solidFill>
+              <a:schemeClr val="accent6"/>
+            </a:solidFill>
+          </a:ln>
+        </p:spPr>
+        <p:style>
+          <a:lnRef idx="2">
+            <a:schemeClr val="accent1">
+              <a:shade val="15000"/>
+            </a:schemeClr>
+          </a:lnRef>
+          <a:fillRef idx="1">
+            <a:schemeClr val="accent1"/>
+          </a:fillRef>
+          <a:effectRef idx="0">
+            <a:schemeClr val="accent1"/>
+          </a:effectRef>
+          <a:fontRef idx="minor">
+            <a:schemeClr val="lt1"/>
+          </a:fontRef>
+        </p:style>
+        <p:txBody>
+          <a:bodyPr rtlCol="0" anchor="ctr"/>
+          <a:lstStyle/>
+          <a:p>
+            <a:pPr algn="ctr"/>
+            <a:endParaRPr lang="fr-FR"/>
+          </a:p>
+        </p:txBody>
+      </p:sp>
       <p:cxnSp>
         <p:nvCxnSpPr>
           <p:cNvPr id="78" name="Connecteur droit 77">
@@ -11101,63 +11158,6 @@
           </a:p>
         </p:txBody>
       </p:sp>
-      <p:sp>
-        <p:nvSpPr>
-          <p:cNvPr id="147" name="Rectangle 146">
-            <a:extLst>
-              <a:ext uri="{FF2B5EF4-FFF2-40B4-BE49-F238E27FC236}">
-                <a16:creationId xmlns:a16="http://schemas.microsoft.com/office/drawing/2014/main" id="{6C721270-71A8-986B-B3C2-DE2957241B29}"/>
-              </a:ext>
-            </a:extLst>
-          </p:cNvPr>
-          <p:cNvSpPr/>
-          <p:nvPr/>
-        </p:nvSpPr>
-        <p:spPr>
-          <a:xfrm>
-            <a:off x="548680" y="3779275"/>
-            <a:ext cx="2141144" cy="124962"/>
-          </a:xfrm>
-          <a:prstGeom prst="rect">
-            <a:avLst/>
-          </a:prstGeom>
-          <a:solidFill>
-            <a:schemeClr val="accent1">
-              <a:lumMod val="20000"/>
-              <a:lumOff val="80000"/>
-            </a:schemeClr>
-          </a:solidFill>
-          <a:ln>
-            <a:solidFill>
-              <a:schemeClr val="accent6"/>
-            </a:solidFill>
-          </a:ln>
-        </p:spPr>
-        <p:style>
-          <a:lnRef idx="2">
-            <a:schemeClr val="accent1">
-              <a:shade val="15000"/>
-            </a:schemeClr>
-          </a:lnRef>
-          <a:fillRef idx="1">
-            <a:schemeClr val="accent1"/>
-          </a:fillRef>
-          <a:effectRef idx="0">
-            <a:schemeClr val="accent1"/>
-          </a:effectRef>
-          <a:fontRef idx="minor">
-            <a:schemeClr val="lt1"/>
-          </a:fontRef>
-        </p:style>
-        <p:txBody>
-          <a:bodyPr rtlCol="0" anchor="ctr"/>
-          <a:lstStyle/>
-          <a:p>
-            <a:pPr algn="ctr"/>
-            <a:endParaRPr lang="fr-FR"/>
-          </a:p>
-        </p:txBody>
-      </p:sp>
       <p:cxnSp>
         <p:nvCxnSpPr>
           <p:cNvPr id="148" name="Connecteur droit avec flèche 147">
@@ -12404,7 +12404,7 @@
         <p:spPr>
           <a:xfrm>
             <a:off x="4852614" y="822252"/>
-            <a:ext cx="1872209" cy="483285"/>
+            <a:ext cx="1872209" cy="530348"/>
           </a:xfrm>
           <a:prstGeom prst="roundRect">
             <a:avLst/>
@@ -12467,8 +12467,8 @@
         </p:nvSpPr>
         <p:spPr>
           <a:xfrm>
-            <a:off x="3429000" y="1463830"/>
-            <a:ext cx="1312690" cy="719275"/>
+            <a:off x="3394211" y="1463830"/>
+            <a:ext cx="1384698" cy="817444"/>
           </a:xfrm>
           <a:prstGeom prst="roundRect">
             <a:avLst/>
@@ -12497,42 +12497,24 @@
             <a:pPr algn="ctr"/>
             <a:r>
               <a:rPr lang="fr-FR" sz="1000" dirty="0"/>
-              <a:t>Conversion de type : </a:t>
+              <a:t>Conversion de type :  </a:t>
             </a:r>
           </a:p>
           <a:p>
             <a:pPr algn="ctr"/>
-            <a:r>
-              <a:rPr lang="fr-FR" sz="1000" dirty="0" err="1"/>
-              <a:t>int</a:t>
-            </a:r>
-            <a:r>
-              <a:rPr lang="fr-FR" sz="1000" dirty="0"/>
-              <a:t>(), </a:t>
-            </a:r>
-            <a:r>
-              <a:rPr lang="fr-FR" sz="1000" dirty="0" err="1"/>
-              <a:t>float</a:t>
-            </a:r>
-            <a:r>
-              <a:rPr lang="fr-FR" sz="1000" dirty="0"/>
-              <a:t>(), </a:t>
-            </a:r>
-            <a:br>
-              <a:rPr lang="fr-FR" sz="1000" dirty="0"/>
-            </a:br>
             <a:endParaRPr lang="fr-FR" sz="1000" dirty="0"/>
           </a:p>
           <a:p>
             <a:pPr algn="ctr"/>
-            <a:r>
-              <a:rPr lang="fr-FR" sz="1000" dirty="0" err="1"/>
-              <a:t>str</a:t>
-            </a:r>
-            <a:r>
-              <a:rPr lang="fr-FR" sz="1000" dirty="0"/>
-              <a:t>()</a:t>
-            </a:r>
+            <a:endParaRPr lang="fr-FR" sz="1000" dirty="0"/>
+          </a:p>
+          <a:p>
+            <a:pPr algn="ctr"/>
+            <a:endParaRPr lang="fr-FR" sz="1000" dirty="0"/>
+          </a:p>
+          <a:p>
+            <a:pPr algn="ctr"/>
+            <a:endParaRPr lang="fr-FR" sz="1000" dirty="0"/>
           </a:p>
         </p:txBody>
       </p:sp>
@@ -12550,8 +12532,8 @@
         </p:nvSpPr>
         <p:spPr>
           <a:xfrm>
-            <a:off x="4852614" y="1463517"/>
-            <a:ext cx="1872209" cy="588522"/>
+            <a:off x="4852614" y="1463516"/>
+            <a:ext cx="1872209" cy="825187"/>
           </a:xfrm>
           <a:prstGeom prst="roundRect">
             <a:avLst/>
@@ -12700,6 +12682,199 @@
           </a:prstGeom>
         </p:spPr>
       </p:pic>
+      <p:sp>
+        <p:nvSpPr>
+          <p:cNvPr id="8" name="ZoneTexte 7">
+            <a:extLst>
+              <a:ext uri="{FF2B5EF4-FFF2-40B4-BE49-F238E27FC236}">
+                <a16:creationId xmlns:a16="http://schemas.microsoft.com/office/drawing/2014/main" id="{17061B0F-E9CF-4141-30D1-B91E0829182E}"/>
+              </a:ext>
+            </a:extLst>
+          </p:cNvPr>
+          <p:cNvSpPr txBox="1"/>
+          <p:nvPr/>
+        </p:nvSpPr>
+        <p:spPr>
+          <a:xfrm>
+            <a:off x="3638168" y="1619278"/>
+            <a:ext cx="896784" cy="276999"/>
+          </a:xfrm>
+          <a:prstGeom prst="rect">
+            <a:avLst/>
+          </a:prstGeom>
+          <a:noFill/>
+        </p:spPr>
+        <p:txBody>
+          <a:bodyPr wrap="none" rtlCol="0">
+            <a:spAutoFit/>
+          </a:bodyPr>
+          <a:lstStyle/>
+          <a:p>
+            <a:r>
+              <a:rPr lang="fr-FR" sz="1200" dirty="0" err="1">
+                <a:solidFill>
+                  <a:schemeClr val="bg1"/>
+                </a:solidFill>
+              </a:rPr>
+              <a:t>int</a:t>
+            </a:r>
+            <a:r>
+              <a:rPr lang="fr-FR" sz="1200" dirty="0">
+                <a:solidFill>
+                  <a:schemeClr val="bg1"/>
+                </a:solidFill>
+              </a:rPr>
+              <a:t>(), </a:t>
+            </a:r>
+            <a:r>
+              <a:rPr lang="fr-FR" sz="1200" dirty="0" err="1">
+                <a:solidFill>
+                  <a:schemeClr val="bg1"/>
+                </a:solidFill>
+              </a:rPr>
+              <a:t>float</a:t>
+            </a:r>
+            <a:r>
+              <a:rPr lang="fr-FR" sz="1200" dirty="0">
+                <a:solidFill>
+                  <a:schemeClr val="bg1"/>
+                </a:solidFill>
+              </a:rPr>
+              <a:t>()</a:t>
+            </a:r>
+          </a:p>
+        </p:txBody>
+      </p:sp>
+      <p:sp>
+        <p:nvSpPr>
+          <p:cNvPr id="9" name="ZoneTexte 8">
+            <a:extLst>
+              <a:ext uri="{FF2B5EF4-FFF2-40B4-BE49-F238E27FC236}">
+                <a16:creationId xmlns:a16="http://schemas.microsoft.com/office/drawing/2014/main" id="{2F876671-5E1C-1E7D-A5BD-B054D434FA92}"/>
+              </a:ext>
+            </a:extLst>
+          </p:cNvPr>
+          <p:cNvSpPr txBox="1"/>
+          <p:nvPr/>
+        </p:nvSpPr>
+        <p:spPr>
+          <a:xfrm>
+            <a:off x="3842704" y="1961172"/>
+            <a:ext cx="441018" cy="276999"/>
+          </a:xfrm>
+          <a:prstGeom prst="rect">
+            <a:avLst/>
+          </a:prstGeom>
+          <a:noFill/>
+        </p:spPr>
+        <p:txBody>
+          <a:bodyPr wrap="none" rtlCol="0">
+            <a:spAutoFit/>
+          </a:bodyPr>
+          <a:lstStyle/>
+          <a:p>
+            <a:r>
+              <a:rPr lang="fr-FR" sz="1200" dirty="0" err="1">
+                <a:solidFill>
+                  <a:schemeClr val="bg1"/>
+                </a:solidFill>
+              </a:rPr>
+              <a:t>str</a:t>
+            </a:r>
+            <a:r>
+              <a:rPr lang="fr-FR" sz="1200" dirty="0">
+                <a:solidFill>
+                  <a:schemeClr val="bg1"/>
+                </a:solidFill>
+              </a:rPr>
+              <a:t>()</a:t>
+            </a:r>
+          </a:p>
+        </p:txBody>
+      </p:sp>
+      <p:cxnSp>
+        <p:nvCxnSpPr>
+          <p:cNvPr id="11" name="Connecteur droit avec flèche 10">
+            <a:extLst>
+              <a:ext uri="{FF2B5EF4-FFF2-40B4-BE49-F238E27FC236}">
+                <a16:creationId xmlns:a16="http://schemas.microsoft.com/office/drawing/2014/main" id="{91B4A782-EC08-2E63-ED35-E4D40C7A5DAB}"/>
+              </a:ext>
+            </a:extLst>
+          </p:cNvPr>
+          <p:cNvCxnSpPr>
+            <a:cxnSpLocks/>
+            <a:stCxn id="8" idx="1"/>
+          </p:cNvCxnSpPr>
+          <p:nvPr/>
+        </p:nvCxnSpPr>
+        <p:spPr>
+          <a:xfrm flipH="1">
+            <a:off x="3270090" y="1757778"/>
+            <a:ext cx="368078" cy="0"/>
+          </a:xfrm>
+          <a:prstGeom prst="straightConnector1">
+            <a:avLst/>
+          </a:prstGeom>
+          <a:ln>
+            <a:tailEnd type="triangle"/>
+          </a:ln>
+        </p:spPr>
+        <p:style>
+          <a:lnRef idx="3">
+            <a:schemeClr val="dk1"/>
+          </a:lnRef>
+          <a:fillRef idx="0">
+            <a:schemeClr val="dk1"/>
+          </a:fillRef>
+          <a:effectRef idx="2">
+            <a:schemeClr val="dk1"/>
+          </a:effectRef>
+          <a:fontRef idx="minor">
+            <a:schemeClr val="tx1"/>
+          </a:fontRef>
+        </p:style>
+      </p:cxnSp>
+      <p:cxnSp>
+        <p:nvCxnSpPr>
+          <p:cNvPr id="12" name="Connecteur droit avec flèche 11">
+            <a:extLst>
+              <a:ext uri="{FF2B5EF4-FFF2-40B4-BE49-F238E27FC236}">
+                <a16:creationId xmlns:a16="http://schemas.microsoft.com/office/drawing/2014/main" id="{FE552FEF-62B9-54A0-6AD7-BD0B03B81E3B}"/>
+              </a:ext>
+            </a:extLst>
+          </p:cNvPr>
+          <p:cNvCxnSpPr>
+            <a:cxnSpLocks/>
+          </p:cNvCxnSpPr>
+          <p:nvPr/>
+        </p:nvCxnSpPr>
+        <p:spPr>
+          <a:xfrm flipH="1">
+            <a:off x="2708920" y="2131918"/>
+            <a:ext cx="1122340" cy="3243"/>
+          </a:xfrm>
+          <a:prstGeom prst="straightConnector1">
+            <a:avLst/>
+          </a:prstGeom>
+          <a:ln>
+            <a:tailEnd type="triangle"/>
+          </a:ln>
+        </p:spPr>
+        <p:style>
+          <a:lnRef idx="3">
+            <a:schemeClr val="dk1"/>
+          </a:lnRef>
+          <a:fillRef idx="0">
+            <a:schemeClr val="dk1"/>
+          </a:fillRef>
+          <a:effectRef idx="2">
+            <a:schemeClr val="dk1"/>
+          </a:effectRef>
+          <a:fontRef idx="minor">
+            <a:schemeClr val="tx1"/>
+          </a:fontRef>
+        </p:style>
+      </p:cxnSp>
     </p:spTree>
     <p:extLst>
       <p:ext uri="{BB962C8B-B14F-4D97-AF65-F5344CB8AC3E}">
